--- a/Whiteboard design session/WDS trainer presentation - Azure Synapse Analytics.pptx
+++ b/Whiteboard design session/WDS trainer presentation - Azure Synapse Analytics.pptx
@@ -241,7 +241,7 @@
           <a:p>
             <a:fld id="{52A13B17-C506-4D51-BB37-16B365906619}" type="datetimeFigureOut">
               <a:rPr lang="en-US" smtClean="0"/>
-              <a:t>3/28/2020</a:t>
+              <a:t>4/12/2020</a:t>
             </a:fld>
             <a:endParaRPr lang="en-US"/>
           </a:p>
@@ -1457,17 +1457,135 @@
           <a:bodyPr/>
           <a:lstStyle/>
           <a:p>
-            <a:r>
-              <a:rPr lang="en-US" dirty="0"/>
-              <a:t>The "cold path" of the data pipeline architecture begins with ingesting the data from the Oracle, SAP Hana and Teradata sources. This can be done within Azure Synapse Analytics using a Pipeline and the Copy Data activity, which lands the data in Azure Data Lake gen 2. When performing initial exploration of the data in the data lake, the data can be readily explored using SQL Pools to explore it with T-SQL or using Spark Pools to explore it within notebooks. At this stage Data Flows can be created using the graphical designer to perform some data preparation tasks. Next, the data can be transformed and enriched in several ways. SQL Pools and SQL On-Demand can be used to apply transformations using T-SQL, as can notebooks running in Spark Pools. A pipeline is also commonly used at this stage to define a repeatable process for cleaning, joining, enriching and </a:t>
-            </a:r>
-            <a:r>
-              <a:rPr lang="en-US" dirty="0" err="1"/>
-              <a:t>ultiumately</a:t>
-            </a:r>
-            <a:r>
-              <a:rPr lang="en-US" dirty="0"/>
-              <a:t> loading the data into the serving SQL Pool. The serving layer can consist of dedicated SQL Pool instances to provide pre-provisioned compute capacity to server both data from the relational data warehouse or data sourced from the data lake. Additionally, the serving layer can use SQL On-Demand to provide ad-hoc compute capacity for querying data stored in the data lake. Either of these serving options can be used by Power BI reports created within Azure Synapse Analytics, or be external applications. The important take away from this architecture is that all of the components shown except Azure Data Lake Store gen 2 are managed within Azure Synapse Analytics. </a:t>
+            <a:pPr marL="171450" indent="-171450">
+              <a:buFont typeface="Arial" panose="020B0604020202020204" pitchFamily="34" charset="0"/>
+              <a:buChar char="•"/>
+            </a:pPr>
+            <a:r>
+              <a:rPr lang="en-US" sz="1200" b="0" kern="1200" dirty="0">
+                <a:solidFill>
+                  <a:schemeClr val="tx1"/>
+                </a:solidFill>
+                <a:effectLst/>
+                <a:latin typeface="+mn-lt"/>
+                <a:ea typeface="+mn-ea"/>
+                <a:cs typeface="+mn-cs"/>
+              </a:rPr>
+              <a:t>The diagram illustrates the high level process for the "cold path" of the data pipeline architecture. It begins with ingesting the data from the Oracle, SAP Hana and Teradata sources. This can be done within Azure Synapse Analytics using a Azure Synapse Pipelines containing the Copy Data activity, which lands the data in Azure Data Lake gen 2. When performing initial exploration of the data in the data lake, the data can be readily explored using Azure Synapse SQL to explore it with T-SQL or using Azure Synapse Spark to explore it within notebooks. </a:t>
+            </a:r>
+          </a:p>
+          <a:p>
+            <a:pPr marL="171450" indent="-171450">
+              <a:buFont typeface="Arial" panose="020B0604020202020204" pitchFamily="34" charset="0"/>
+              <a:buChar char="•"/>
+            </a:pPr>
+            <a:r>
+              <a:rPr lang="en-US" sz="1200" b="0" kern="1200" dirty="0">
+                <a:solidFill>
+                  <a:schemeClr val="tx1"/>
+                </a:solidFill>
+                <a:effectLst/>
+                <a:latin typeface="+mn-lt"/>
+                <a:ea typeface="+mn-ea"/>
+                <a:cs typeface="+mn-cs"/>
+              </a:rPr>
+              <a:t>At this stage Data Flows, which are Pipeline activities just like the Copy Data activity, can be created using the graphical designer to perform some data preparation tasks. </a:t>
+            </a:r>
+          </a:p>
+          <a:p>
+            <a:pPr marL="171450" indent="-171450">
+              <a:buFont typeface="Arial" panose="020B0604020202020204" pitchFamily="34" charset="0"/>
+              <a:buChar char="•"/>
+            </a:pPr>
+            <a:r>
+              <a:rPr lang="en-US" sz="1200" b="0" kern="1200" dirty="0">
+                <a:solidFill>
+                  <a:schemeClr val="tx1"/>
+                </a:solidFill>
+                <a:effectLst/>
+                <a:latin typeface="+mn-lt"/>
+                <a:ea typeface="+mn-ea"/>
+                <a:cs typeface="+mn-cs"/>
+              </a:rPr>
+              <a:t>Next, the data can be transformed and enriched in several ways. </a:t>
+            </a:r>
+          </a:p>
+          <a:p>
+            <a:pPr marL="171450" indent="-171450">
+              <a:buFont typeface="Arial" panose="020B0604020202020204" pitchFamily="34" charset="0"/>
+              <a:buChar char="•"/>
+            </a:pPr>
+            <a:r>
+              <a:rPr lang="en-US" sz="1200" b="0" kern="1200" dirty="0">
+                <a:solidFill>
+                  <a:schemeClr val="tx1"/>
+                </a:solidFill>
+                <a:effectLst/>
+                <a:latin typeface="+mn-lt"/>
+                <a:ea typeface="+mn-ea"/>
+                <a:cs typeface="+mn-cs"/>
+              </a:rPr>
+              <a:t>Azure Synapse SQL offers both serverless and provisioned resource models, offering consumption and billing options to fit the customer's needs. For predictable performance and cost, provision pools to reserve processing power for data stored in SQL tables. For ad hoc or </a:t>
+            </a:r>
+            <a:r>
+              <a:rPr lang="en-US" sz="1200" b="0" kern="1200" dirty="0" err="1">
+                <a:solidFill>
+                  <a:schemeClr val="tx1"/>
+                </a:solidFill>
+                <a:effectLst/>
+                <a:latin typeface="+mn-lt"/>
+                <a:ea typeface="+mn-ea"/>
+                <a:cs typeface="+mn-cs"/>
+              </a:rPr>
+              <a:t>bursty</a:t>
+            </a:r>
+            <a:r>
+              <a:rPr lang="en-US" sz="1200" b="0" kern="1200" dirty="0">
+                <a:solidFill>
+                  <a:schemeClr val="tx1"/>
+                </a:solidFill>
+                <a:effectLst/>
+                <a:latin typeface="+mn-lt"/>
+                <a:ea typeface="+mn-ea"/>
+                <a:cs typeface="+mn-cs"/>
+              </a:rPr>
+              <a:t> workloads, use the serverless, always-available SQL endpoint. </a:t>
+            </a:r>
+          </a:p>
+          <a:p>
+            <a:pPr marL="171450" indent="-171450">
+              <a:buFont typeface="Arial" panose="020B0604020202020204" pitchFamily="34" charset="0"/>
+              <a:buChar char="•"/>
+            </a:pPr>
+            <a:r>
+              <a:rPr lang="en-US" sz="1200" b="0" kern="1200" dirty="0">
+                <a:solidFill>
+                  <a:schemeClr val="tx1"/>
+                </a:solidFill>
+                <a:effectLst/>
+                <a:latin typeface="+mn-lt"/>
+                <a:ea typeface="+mn-ea"/>
+                <a:cs typeface="+mn-cs"/>
+              </a:rPr>
+              <a:t>Azure Synapse SQL provisioned pools and the Azure Synapse SQL serverless endpoint can be used to apply transformations using T-SQL, as can notebooks running in Azure Synapse Spark. A Pipeline is also commonly used at this stage to define a repeatable process for cleaning, joining, enriching and ultimately loading the data into the Azure Synapse SQL that functions as the serving database. </a:t>
+            </a:r>
+          </a:p>
+          <a:p>
+            <a:pPr marL="171450" indent="-171450">
+              <a:buFont typeface="Arial" panose="020B0604020202020204" pitchFamily="34" charset="0"/>
+              <a:buChar char="•"/>
+            </a:pPr>
+            <a:r>
+              <a:rPr lang="en-US" sz="1200" b="0" kern="1200" dirty="0">
+                <a:solidFill>
+                  <a:schemeClr val="tx1"/>
+                </a:solidFill>
+                <a:effectLst/>
+                <a:latin typeface="+mn-lt"/>
+                <a:ea typeface="+mn-ea"/>
+                <a:cs typeface="+mn-cs"/>
+              </a:rPr>
+              <a:t>The serving layer can consist of dedicated Azure Synapse SQL provisioned instances to provide pre-provisioned compute capacity to serve both data from the relational data warehouse or data sourced from the data lake. Additionally, the serving layer can use Azure Synapse SQL serverless to provide ad-hoc compute capacity for querying data stored in the data lake. Either of these serving options can be used by Power BI reports created within Azure Synapse Analytics, or by external applications. The important take away from this architecture is that all of the components shown are completely managed within Azure Synapse Analytics.</a:t>
             </a:r>
           </a:p>
         </p:txBody>
@@ -1553,7 +1671,7 @@
           <a:lstStyle/>
           <a:p>
             <a:r>
-              <a:rPr lang="en-US" sz="1200" b="0" i="0" u="none" strike="noStrike" kern="1200" dirty="0">
+              <a:rPr lang="en-US" sz="1200" b="0" kern="1200" dirty="0">
                 <a:solidFill>
                   <a:schemeClr val="tx1"/>
                 </a:solidFill>
@@ -1562,10 +1680,10 @@
                 <a:ea typeface="+mn-ea"/>
                 <a:cs typeface="+mn-cs"/>
               </a:rPr>
-              <a:t>In the "hot path“, Twitter tweet data needs to be pulled using a </a:t>
-            </a:r>
-            <a:r>
-              <a:rPr lang="en-US" sz="1200" b="0" i="0" u="none" strike="noStrike" kern="1200" dirty="0" err="1">
+              <a:t>This diagram illustrates how they could handle the streaming data, the "hot path". Twitter tweet data needs to be pulled using a </a:t>
+            </a:r>
+            <a:r>
+              <a:rPr lang="en-US" sz="1200" b="0" kern="1200" dirty="0" err="1">
                 <a:solidFill>
                   <a:schemeClr val="tx1"/>
                 </a:solidFill>
@@ -1577,7 +1695,7 @@
               <a:t>WebJob</a:t>
             </a:r>
             <a:r>
-              <a:rPr lang="en-US" sz="1200" b="0" i="0" u="none" strike="noStrike" kern="1200" dirty="0">
+              <a:rPr lang="en-US" sz="1200" b="0" kern="1200" dirty="0">
                 <a:solidFill>
                   <a:schemeClr val="tx1"/>
                 </a:solidFill>
@@ -1589,7 +1707,7 @@
               <a:t>. This </a:t>
             </a:r>
             <a:r>
-              <a:rPr lang="en-US" sz="1200" b="0" i="0" u="none" strike="noStrike" kern="1200" dirty="0" err="1">
+              <a:rPr lang="en-US" sz="1200" b="0" kern="1200" dirty="0" err="1">
                 <a:solidFill>
                   <a:schemeClr val="tx1"/>
                 </a:solidFill>
@@ -1601,7 +1719,7 @@
               <a:t>WebJob</a:t>
             </a:r>
             <a:r>
-              <a:rPr lang="en-US" sz="1200" b="0" i="0" u="none" strike="noStrike" kern="1200" dirty="0">
+              <a:rPr lang="en-US" sz="1200" b="0" kern="1200" dirty="0">
                 <a:solidFill>
                   <a:schemeClr val="tx1"/>
                 </a:solidFill>
@@ -1610,9 +1728,8 @@
                 <a:ea typeface="+mn-ea"/>
                 <a:cs typeface="+mn-cs"/>
               </a:rPr>
-              <a:t> would load the tweets into Event Hubs so that they could be processed reliably using Stream Analytics. Stream Analytics can be used both to archive all tweets to the data lake for offline or batch analysis using SQL On-Demand within Azure Synapse Analytics, as well as to send live data to Power BI reports for real-time dashboards and reports. The in-store IoT sensors could ingest their data into IoT Hub directly, and by integrating with IoT Hub also benefit from the device management capabilities that IoT Hub enables. Ultimately this data would also be processed by another Stream Analytics job and served in the same was as the tweets. </a:t>
-            </a:r>
-            <a:endParaRPr lang="en-US" dirty="0"/>
+              <a:t> would load the tweets into Event Hubs so that they could be processed reliably using Stream Analytics. Stream Analytics can be used both to archive all tweets to the data lake for offline or batch analysis using Azure Synapse SQL provisioned within Azure Synapse Analytics, as well as to send live data to Power BI reports for real-time dashboards and reports. The in-store IoT sensors could ingest their data into IoT Hub directly, and by integrating with IoT Hub also benefit from the device management capabilities that IoT Hub enables. Ultimately this data would also be processed by another Stream Analytics job and served in the same was as the tweets.</a:t>
+            </a:r>
           </a:p>
         </p:txBody>
       </p:sp>
@@ -1781,18 +1898,9 @@
           <a:lstStyle/>
           <a:p>
             <a:r>
-              <a:rPr lang="en-US" sz="1200" b="0" i="0" u="none" strike="noStrike" kern="1200" dirty="0">
-                <a:solidFill>
-                  <a:schemeClr val="tx1"/>
-                </a:solidFill>
-                <a:effectLst/>
-                <a:latin typeface="+mn-lt"/>
-                <a:ea typeface="+mn-ea"/>
-                <a:cs typeface="+mn-cs"/>
-              </a:rPr>
-              <a:t>Azure Synapse Analytics enables machine learning. WWI could train their machine learning models within Spark notebooks running on a Spark Pool. They could use their machine learning framework of choice to do so. Within this notebook they would convert the model into the ONNX format and the upload the model to Azure Storage. From there, they would run a T-SQL script on a SQL Pool to load the model into a table in the database. After this, they can use the model within T-SQL scripts running on a SQL Pool by loading the model from the table, and using it with the Predict statement to score data sourced from a table in the database. The scored results could then be used directly or be inserted into a target table for later querying of the predictions. </a:t>
-            </a:r>
-            <a:endParaRPr lang="en-US" dirty="0"/>
+              <a:rPr lang="en-US" dirty="0"/>
+              <a:t>The diagram illustrates the approach the Azure Synapse Analytics enables for WWI with regards to machine learning. WWI could train their machine learning models using notebooks run within Azure Machine Learning or Azure Synapse Spark. They could use their machine learning framework of choice to do so. Within this notebook they would convert the model into the ONNX format and then upload the model to Azure Storage. From there, they would run a T-SQL script in Azure Synapse SQL to load the model into a table in the database. After this, they can use the model within T-SQL scripts running Azure Synapse SQL by loading the model from the table, and using it with the Predict function to score data sourced from a table in the database. The scored results could then be used directly or be inserted into a target table for later querying of the predictions.</a:t>
+            </a:r>
           </a:p>
         </p:txBody>
       </p:sp>
@@ -2278,7 +2386,7 @@
                 <a:ea typeface="+mn-ea"/>
                 <a:cs typeface="+mn-cs"/>
               </a:rPr>
-              <a:t>Using Azure Synapse Analytics Studio, for any parquet files stored in ADLS, they can right click on a parquet file to query as SQL or as </a:t>
+              <a:t>Using Azure Synapse Studio, for any parquet files stored in ADLS, they can right click on a parquet file to query as SQL or as </a:t>
             </a:r>
             <a:r>
               <a:rPr lang="en-US" sz="1200" b="0" i="0" u="none" strike="noStrike" kern="1200" dirty="0" err="1">
@@ -2402,7 +2510,7 @@
                 <a:ea typeface="+mn-ea"/>
                 <a:cs typeface="+mn-cs"/>
               </a:rPr>
-              <a:t>They could use Mapping Data Flows that they graphically design in Azure Synapse Analytics Studio. These code-free data flows provide for scalable execution. Data Flows define a domain specific language for transformation and convert that into code that runs on Spark, which runs at scale and provides elasticity for handling growing volumes of data.</a:t>
+              <a:t>They could use Data Flows that they graphically design in Azure Synapse Studio. These code-free data flows provide for scalable execution. Data Flows define a domain specific language for transformation and convert that into code that runs on Spark, which runs at scale and provides elasticity for handling growing volumes of data.</a:t>
             </a:r>
           </a:p>
           <a:p>
@@ -2600,7 +2708,7 @@
                 <a:ea typeface="+mn-ea"/>
                 <a:cs typeface="+mn-cs"/>
               </a:rPr>
-              <a:t>Spark pools allow the importing of libraries during creation.</a:t>
+              <a:t>Azure Synapse Spark pools allow the importing of libraries during creation.</a:t>
             </a:r>
           </a:p>
           <a:p>
@@ -3929,7 +4037,7 @@
                 <a:ea typeface="+mn-ea"/>
                 <a:cs typeface="+mn-cs"/>
               </a:rPr>
-              <a:t>They can use SQL on-demand along with the T-SQL OPENJSON, JSON_VALUE, and JSON_QUERY statements.</a:t>
+              <a:t>They can use Azure Synapse SQL serverless along with the T-SQL OPENJSON, JSON_VALUE, and JSON_QUERY statements.</a:t>
             </a:r>
           </a:p>
           <a:p>
@@ -4139,7 +4247,7 @@
                 <a:ea typeface="+mn-ea"/>
                 <a:cs typeface="+mn-cs"/>
               </a:rPr>
-              <a:t>Cache the results of a query in SQL pool storage. This enables interactive response times for repetitive queries against tables with infrequent data changes.</a:t>
+              <a:t>Cache the results of a query in provisioned Azure Synapse SQL pool storage. This enables interactive response times for repetitive queries against tables with infrequent data changes.</a:t>
             </a:r>
           </a:p>
           <a:p>
@@ -4334,7 +4442,7 @@
                 <a:ea typeface="+mn-ea"/>
                 <a:cs typeface="+mn-cs"/>
               </a:rPr>
-              <a:t>Power BI. They can create, edit and view Power BI reports directly within the Azure Synapse Analytics workspace. They can also use Power BI Desktop to create and publish both datasets and reports that are then available within workspace.</a:t>
+              <a:t>Power BI. They can create, edit and view Power BI reports directly within the Azure Synapse Studio. They can also use Power BI Desktop to create and publish both datasets and reports that are then available within Azure Synapse Studio.</a:t>
             </a:r>
           </a:p>
           <a:p>
@@ -4434,7 +4542,7 @@
                 <a:ea typeface="+mn-ea"/>
                 <a:cs typeface="+mn-cs"/>
               </a:rPr>
-              <a:t>No, they only need to load the data into Azure Storage. Using SQL On-demand and Power BI they can create reports against the data directly.</a:t>
+              <a:t>No, they only need to load the data into Azure Storage. Using Azure Synapse SQL serverless and Power BI they can create reports against the data directly.</a:t>
             </a:r>
           </a:p>
           <a:p>
@@ -6784,7 +6892,7 @@
                 <a:ea typeface="+mn-ea"/>
                 <a:cs typeface="+mn-cs"/>
               </a:rPr>
-              <a:t>Azure Synapse Analytics support serverless querying via SQL on-demand.</a:t>
+              <a:t>Azure Synapse Analytics support serverless querying via the serverless SQL endpoint.</a:t>
             </a:r>
           </a:p>
           <a:p>
@@ -6809,7 +6917,31 @@
                 <a:ea typeface="+mn-ea"/>
                 <a:cs typeface="+mn-cs"/>
               </a:rPr>
-              <a:t>SQL On-Demand is an interactive query service that provides T-SQL queries over high scale data in Azure Storage.</a:t>
+              <a:t>Azure Synapse SQL serverless is an always available SQL endpoint that provides T-SQL querying over high scale data in Azure Storage, and is ideal for ad hoc or </a:t>
+            </a:r>
+            <a:r>
+              <a:rPr lang="en-US" sz="1200" b="0" i="0" u="none" strike="noStrike" kern="1200" dirty="0" err="1">
+                <a:solidFill>
+                  <a:schemeClr val="tx1"/>
+                </a:solidFill>
+                <a:effectLst/>
+                <a:latin typeface="+mn-lt"/>
+                <a:ea typeface="+mn-ea"/>
+                <a:cs typeface="+mn-cs"/>
+              </a:rPr>
+              <a:t>bursty</a:t>
+            </a:r>
+            <a:r>
+              <a:rPr lang="en-US" sz="1200" b="0" i="0" u="none" strike="noStrike" kern="1200" dirty="0">
+                <a:solidFill>
+                  <a:schemeClr val="tx1"/>
+                </a:solidFill>
+                <a:effectLst/>
+                <a:latin typeface="+mn-lt"/>
+                <a:ea typeface="+mn-ea"/>
+                <a:cs typeface="+mn-cs"/>
+              </a:rPr>
+              <a:t> workloads.</a:t>
             </a:r>
           </a:p>
           <a:p>
@@ -6859,19 +6991,8 @@
                 <a:ea typeface="+mn-ea"/>
                 <a:cs typeface="+mn-cs"/>
               </a:rPr>
-              <a:t>It would be appropriate for dashboards and reports, as it supports Power BI and can be used refresh dashboard datasets. It is also appropriate for basic data discovery and exploration and supporting "single query ETL" that transforms Azure Storage based data in a massively parallel fashion.</a:t>
-            </a:r>
-          </a:p>
-          <a:p>
-            <a:endParaRPr lang="en-US" sz="1200" b="0" i="0" u="none" strike="noStrike" kern="1200" dirty="0">
-              <a:solidFill>
-                <a:schemeClr val="tx1"/>
-              </a:solidFill>
-              <a:effectLst/>
-              <a:latin typeface="+mn-lt"/>
-              <a:ea typeface="+mn-ea"/>
-              <a:cs typeface="+mn-cs"/>
-            </a:endParaRPr>
+              <a:t>It would be appropriate for dashboards and reports, as it supports Power BI and can be used refresh dashboard datasets. It is also appropriate for basic data discovery and exploration and supporting "single query ETL" that  transforms Azure Storage based data in a massively parallel fashion.</a:t>
+            </a:r>
           </a:p>
         </p:txBody>
       </p:sp>
@@ -6990,7 +7111,7 @@
                 <a:ea typeface="+mn-ea"/>
                 <a:cs typeface="+mn-cs"/>
               </a:rPr>
-              <a:t>No. This is a unique differentiator of Azure Synapse Analytics. Within one Azure Synapse Analytics workspace, they can have pre-provisioned SQL Pools, and also have SQL on-demand serverless querying.</a:t>
+              <a:t>No. This is a unique differentiator of Azure Synapse Analytics. Within one Azure Synapse Analytics workspace, they can have pre-provisioned Azure Synapse SQL pools, and also have serverless querying using the Azure Synapse SQL serverless endpoint.</a:t>
             </a:r>
           </a:p>
           <a:p>
@@ -7040,7 +7161,7 @@
                 <a:ea typeface="+mn-ea"/>
                 <a:cs typeface="+mn-cs"/>
               </a:rPr>
-              <a:t>For data stored in SQL Pool databases as well as data stored in Azure Storage (including Azure Data Lake Store gen 2), Azure Synapse Analytics supports transparent data encryption (TDE), which means all data is encrypted when written to disk and decrypted when read. When it comes to the keys used for encryption and decryption, TDE provides the option of using service managed keys that are supplied by Microsoft, or user managed keys that are provided by the customer and are stored securely in Azure Key Vault.</a:t>
+              <a:t>For data stored in Azure Synapse SQL databases as well as data stored in Azure Storage (including Azure Data Lake Store gen 2), Azure Synapse Analytics supports transparent data encryption (TDE), which means all data is encrypted when written to disk and decrypted when read. When it comes to the keys used for encryption and decryption, TDE provides the option of using service managed keys that are supplied by Microsoft, or user managed keys that are provided by the customer and are stored securely in Azure Key Vault.</a:t>
             </a:r>
           </a:p>
           <a:p>
@@ -7283,7 +7404,7 @@
                   <a:prstClr val="black"/>
                 </a:solidFill>
               </a:rPr>
-              <a:t>3/28/2020 4:25 PM</a:t>
+              <a:t>4/12/2020 10:56 AM</a:t>
             </a:fld>
             <a:endParaRPr lang="en-US" dirty="0">
               <a:solidFill>
@@ -20315,7 +20436,7 @@
           <a:p>
             <a:r>
               <a:rPr lang="en-US" dirty="0"/>
-              <a:t>Azure Synapse Analytics</a:t>
+              <a:t>Azure Synapse Analytics end-to-end solution</a:t>
             </a:r>
           </a:p>
         </p:txBody>
@@ -20458,7 +20579,7 @@
           <a:lstStyle/>
           <a:p>
             <a:r>
-              <a:rPr lang="en-US" sz="3600" dirty="0">
+              <a:rPr lang="en-US" sz="2800" dirty="0">
                 <a:solidFill>
                   <a:schemeClr val="tx1"/>
                 </a:solidFill>
@@ -20469,7 +20590,7 @@
           </a:p>
           <a:p>
             <a:r>
-              <a:rPr lang="en-US" sz="3600" dirty="0">
+              <a:rPr lang="en-US" sz="2800" dirty="0">
                 <a:solidFill>
                   <a:schemeClr val="tx1"/>
                 </a:solidFill>
@@ -20479,28 +20600,23 @@
           </a:p>
           <a:p>
             <a:r>
-              <a:rPr lang="en-US" sz="3600" dirty="0">
-                <a:solidFill>
-                  <a:schemeClr val="tx1"/>
-                </a:solidFill>
-              </a:rPr>
-              <a:t>Need a highly performing system.</a:t>
-            </a:r>
-          </a:p>
-          <a:p>
-            <a:r>
-              <a:rPr lang="en-US" sz="3600" dirty="0">
+              <a:rPr lang="en-US" sz="2800" dirty="0">
+                <a:solidFill>
+                  <a:schemeClr val="tx1"/>
+                </a:solidFill>
+              </a:rPr>
+              <a:t>Need a highly performant system.</a:t>
+            </a:r>
+          </a:p>
+          <a:p>
+            <a:r>
+              <a:rPr lang="en-US" sz="2800" dirty="0">
                 <a:solidFill>
                   <a:schemeClr val="tx1"/>
                 </a:solidFill>
               </a:rPr>
               <a:t>A consistent security model applied across all components.</a:t>
             </a:r>
-            <a:endParaRPr lang="en-US" sz="1800" dirty="0">
-              <a:solidFill>
-                <a:schemeClr val="tx1"/>
-              </a:solidFill>
-            </a:endParaRPr>
           </a:p>
         </p:txBody>
       </p:sp>
@@ -20604,7 +20720,7 @@
         <p:spPr>
           <a:xfrm>
             <a:off x="269239" y="1189177"/>
-            <a:ext cx="10134943" cy="4813625"/>
+            <a:ext cx="10134943" cy="4235006"/>
           </a:xfrm>
         </p:spPr>
         <p:txBody>
@@ -20612,19 +20728,19 @@
           <a:lstStyle/>
           <a:p>
             <a:r>
-              <a:rPr lang="en-US" sz="3200" dirty="0"/>
+              <a:rPr lang="en-US" sz="2800" dirty="0"/>
               <a:t>WWI understands that Azure offers several services with overlapping capabilities – they do not want to spend time stitching them together to get the desired analytics solution.</a:t>
             </a:r>
           </a:p>
           <a:p>
             <a:r>
-              <a:rPr lang="en-US" sz="3200" dirty="0"/>
+              <a:rPr lang="en-US" sz="2800" dirty="0"/>
               <a:t>They have seen demos from competing systems that claim to load massive datasets in seconds. Does Azure offer such a solution?</a:t>
             </a:r>
           </a:p>
           <a:p>
             <a:r>
-              <a:rPr lang="en-US" sz="3200" dirty="0"/>
+              <a:rPr lang="en-US" sz="2800" dirty="0"/>
               <a:t>Can they really minimize the number of disparate services they use across ingest, transformation, querying and storage? The team wants to master one tool and build shared best practices for development, management, and monitoring.</a:t>
             </a:r>
           </a:p>
@@ -20632,10 +20748,10 @@
       </p:sp>
       <p:pic>
         <p:nvPicPr>
-          <p:cNvPr id="6" name="Picture 5" descr="An icon of a question mark.">
+          <p:cNvPr id="4" name="Graphic 3" descr="Questions">
             <a:extLst>
               <a:ext uri="{FF2B5EF4-FFF2-40B4-BE49-F238E27FC236}">
-                <a16:creationId xmlns:a16="http://schemas.microsoft.com/office/drawing/2014/main" id="{6E4220A5-277B-468D-BEC0-7CE7DF2B4E16}"/>
+                <a16:creationId xmlns:a16="http://schemas.microsoft.com/office/drawing/2014/main" id="{9036810E-39F2-4230-809A-EABA88D8ACD4}"/>
               </a:ext>
             </a:extLst>
           </p:cNvPr>
@@ -20645,15 +20761,24 @@
           <p:nvPr/>
         </p:nvPicPr>
         <p:blipFill>
-          <a:blip r:embed="rId3"/>
+          <a:blip r:embed="rId3">
+            <a:extLst>
+              <a:ext uri="{28A0092B-C50C-407E-A947-70E740481C1C}">
+                <a14:useLocalDpi xmlns:a14="http://schemas.microsoft.com/office/drawing/2010/main" val="0"/>
+              </a:ext>
+              <a:ext uri="{96DAC541-7B7A-43D3-8B79-37D633B846F1}">
+                <asvg:svgBlip xmlns:asvg="http://schemas.microsoft.com/office/drawing/2016/SVG/main" r:embed="rId4"/>
+              </a:ext>
+            </a:extLst>
+          </a:blip>
           <a:stretch>
             <a:fillRect/>
           </a:stretch>
         </p:blipFill>
         <p:spPr>
           <a:xfrm>
-            <a:off x="10021636" y="2343818"/>
-            <a:ext cx="2170364" cy="2170364"/>
+            <a:off x="9539111" y="4157120"/>
+            <a:ext cx="2385969" cy="2385969"/>
           </a:xfrm>
           <a:prstGeom prst="rect">
             <a:avLst/>
@@ -20760,7 +20885,7 @@
         <p:spPr>
           <a:xfrm>
             <a:off x="269239" y="1189177"/>
-            <a:ext cx="11653523" cy="3927229"/>
+            <a:ext cx="11653523" cy="3459409"/>
           </a:xfrm>
         </p:spPr>
         <p:txBody>
@@ -20768,20 +20893,20 @@
           <a:lstStyle/>
           <a:p>
             <a:r>
-              <a:rPr lang="en-US" sz="3200" dirty="0"/>
-              <a:t>WWI has heard of serverless querying, does this solution offer this? Does it support querying the data at the scale of WWI and what formats does it support ? Would this be appropriate for supporting dashboards or reports?</a:t>
-            </a:r>
-          </a:p>
-          <a:p>
-            <a:r>
-              <a:rPr lang="en-US" sz="3200" dirty="0"/>
-              <a:t>If the solution supports serverless querying, are they prevented from using pre-allocated query resources?</a:t>
-            </a:r>
-          </a:p>
-          <a:p>
-            <a:r>
-              <a:rPr lang="en-US" sz="3200" dirty="0"/>
-              <a:t>Is data protected at rest, is there control over the keys used to encrypt it?</a:t>
+              <a:rPr lang="en-US" sz="2800" dirty="0"/>
+              <a:t>They have heard of serverless querying, does your solution offer this? Does it support querying the data at the scale of WWI and what formats does it support? Would this be appropriate for supporting their dashboards or reports?</a:t>
+            </a:r>
+          </a:p>
+          <a:p>
+            <a:r>
+              <a:rPr lang="en-US" sz="2800" dirty="0"/>
+              <a:t>If their solution provide serverless querying, are they prevented from using pre-allocated query resources?</a:t>
+            </a:r>
+          </a:p>
+          <a:p>
+            <a:r>
+              <a:rPr lang="en-US" sz="2800" dirty="0"/>
+              <a:t>Is my data protected at rest and do I have control over the keys used to encrypt it?</a:t>
             </a:r>
           </a:p>
         </p:txBody>
@@ -20869,7 +20994,7 @@
       </p:sp>
       <p:pic>
         <p:nvPicPr>
-          <p:cNvPr id="7" name="Picture 6" descr="Azure Synapse Analytics common scenario diagram depicting workloads for all scales as well as intuitive experience through Azure Synapse Analytics, the Platform boasting management, security, monitoring and meatastore, all sitting atop Azure Data Lake storage.">
+          <p:cNvPr id="7" name="Picture 6">
             <a:extLst>
               <a:ext uri="{FF2B5EF4-FFF2-40B4-BE49-F238E27FC236}">
                 <a16:creationId xmlns:a16="http://schemas.microsoft.com/office/drawing/2014/main" id="{F7761FDD-1C22-494C-B895-4A02D9FDBEC0}"/>
@@ -20889,14 +21014,13 @@
               </a:ext>
             </a:extLst>
           </a:blip>
-          <a:stretch>
-            <a:fillRect/>
-          </a:stretch>
+          <a:srcRect/>
+          <a:stretch/>
         </p:blipFill>
         <p:spPr>
           <a:xfrm>
-            <a:off x="964962" y="1189176"/>
-            <a:ext cx="10262076" cy="5281499"/>
+            <a:off x="964962" y="1228813"/>
+            <a:ext cx="10262076" cy="5202226"/>
           </a:xfrm>
           <a:prstGeom prst="rect">
             <a:avLst/>
@@ -22243,7 +22367,7 @@
       </p:sp>
       <p:pic>
         <p:nvPicPr>
-          <p:cNvPr id="9" name="Picture 8" descr="Cold path architecture diagram depicting disparate system data input into Azure Synapse Analytics that ingests, prepares, transforms and enriches, serves and visualizes the data.">
+          <p:cNvPr id="9" name="Picture 8">
             <a:extLst>
               <a:ext uri="{FF2B5EF4-FFF2-40B4-BE49-F238E27FC236}">
                 <a16:creationId xmlns:a16="http://schemas.microsoft.com/office/drawing/2014/main" id="{A6C40F34-5393-4FB3-AA5C-EDD5B6B783AE}"/>
@@ -22263,14 +22387,13 @@
               </a:ext>
             </a:extLst>
           </a:blip>
-          <a:stretch>
-            <a:fillRect/>
-          </a:stretch>
+          <a:srcRect/>
+          <a:stretch/>
         </p:blipFill>
         <p:spPr>
           <a:xfrm>
-            <a:off x="1192188" y="1189176"/>
-            <a:ext cx="9926608" cy="5307978"/>
+            <a:off x="1192188" y="1195242"/>
+            <a:ext cx="9926608" cy="5295845"/>
           </a:xfrm>
           <a:prstGeom prst="rect">
             <a:avLst/>
@@ -22360,7 +22483,7 @@
       </p:sp>
       <p:pic>
         <p:nvPicPr>
-          <p:cNvPr id="3" name="Picture 2" descr="Hot path architecture showing ingestion of streaming Twitter and IoT Sensor data.">
+          <p:cNvPr id="3" name="Picture 2">
             <a:extLst>
               <a:ext uri="{FF2B5EF4-FFF2-40B4-BE49-F238E27FC236}">
                 <a16:creationId xmlns:a16="http://schemas.microsoft.com/office/drawing/2014/main" id="{7F6CF8AC-7212-4F8C-A1F4-BD3B9334C23D}"/>
@@ -22373,15 +22496,20 @@
           <p:nvPr/>
         </p:nvPicPr>
         <p:blipFill>
-          <a:blip r:embed="rId3"/>
-          <a:stretch>
-            <a:fillRect/>
-          </a:stretch>
+          <a:blip r:embed="rId3">
+            <a:extLst>
+              <a:ext uri="{28A0092B-C50C-407E-A947-70E740481C1C}">
+                <a14:useLocalDpi xmlns:a14="http://schemas.microsoft.com/office/drawing/2010/main" val="0"/>
+              </a:ext>
+            </a:extLst>
+          </a:blip>
+          <a:srcRect/>
+          <a:stretch/>
         </p:blipFill>
         <p:spPr>
           <a:xfrm>
-            <a:off x="838200" y="1189176"/>
-            <a:ext cx="10515600" cy="5353050"/>
+            <a:off x="838200" y="1244688"/>
+            <a:ext cx="10515600" cy="5242026"/>
           </a:xfrm>
           <a:prstGeom prst="rect">
             <a:avLst/>
@@ -22484,7 +22612,7 @@
         <p:spPr>
           <a:xfrm>
             <a:off x="347968" y="652532"/>
-            <a:ext cx="7097861" cy="6632585"/>
+            <a:ext cx="7097861" cy="5453801"/>
           </a:xfrm>
           <a:prstGeom prst="rect">
             <a:avLst/>
@@ -22501,54 +22629,14 @@
               <a:lnSpc>
                 <a:spcPct val="90000"/>
               </a:lnSpc>
-              <a:defRPr/>
+              <a:spcAft>
+                <a:spcPts val="600"/>
+              </a:spcAft>
             </a:pPr>
             <a:r>
-              <a:rPr lang="en-US" dirty="0"/>
-              <a:t>Wide World Importers (WWI) has hundreds of brick and mortar </a:t>
-            </a:r>
-          </a:p>
-          <a:p>
-            <a:pPr>
-              <a:lnSpc>
-                <a:spcPct val="90000"/>
-              </a:lnSpc>
-              <a:defRPr/>
-            </a:pPr>
-            <a:r>
-              <a:rPr lang="en-US" dirty="0"/>
-              <a:t>stores and an online store where they sell a variety of products. They have amassed more than 5 years of sales transaction data from Oracle, consisting of more than 30 billion rows. Furthermore, they have financial data stored in SAP Hana, and marketing data in Teradata. IoT sensors in their stores also relay real-time telemetry regarding the behavior of their customers as they walk the aisles. They also keep a pulse on their social media presence by ingesting near real-time data from Twitter. </a:t>
-            </a:r>
-          </a:p>
-          <a:p>
-            <a:pPr>
-              <a:lnSpc>
-                <a:spcPct val="90000"/>
-              </a:lnSpc>
-              <a:defRPr/>
-            </a:pPr>
-            <a:endParaRPr lang="en-US" dirty="0"/>
-          </a:p>
-          <a:p>
-            <a:pPr>
-              <a:lnSpc>
-                <a:spcPct val="90000"/>
-              </a:lnSpc>
-              <a:defRPr/>
-            </a:pPr>
-            <a:r>
-              <a:rPr lang="en-US" dirty="0"/>
-              <a:t>Even though WWI possesses all these large datasets, they have not been able to maximize the value of this data. They believe a successful customer experience strategy is founded upon making effective use of the combination of this fragmented data. Their goal is to be able to make informed, near real-time decisions as well as use their vast amounts of data to better predict the future, initially by making product recommendations.</a:t>
-            </a:r>
-          </a:p>
-          <a:p>
-            <a:pPr>
-              <a:lnSpc>
-                <a:spcPct val="90000"/>
-              </a:lnSpc>
-              <a:defRPr/>
-            </a:pPr>
-            <a:endParaRPr lang="en-US" dirty="0"/>
+              <a:rPr lang="en-US" sz="2800" dirty="0"/>
+              <a:t>Abstract</a:t>
+            </a:r>
           </a:p>
           <a:p>
             <a:pPr>
@@ -22564,6 +22652,116 @@
               <a:rPr lang="en-US" dirty="0"/>
               <a:t>At the end of this whiteboard design session, you will be able to design a solution to ingest both hot (real-time) and cold (historical) data and combine this information to develop dashboard KPIs and to train and deploy predictive machine learning models so decisions can be made at a moments notice. All of this is accomplished by leveraging a single tool, Azure Synapse Analytics.</a:t>
             </a:r>
+          </a:p>
+          <a:p>
+            <a:pPr>
+              <a:lnSpc>
+                <a:spcPct val="90000"/>
+              </a:lnSpc>
+              <a:spcAft>
+                <a:spcPts val="600"/>
+              </a:spcAft>
+            </a:pPr>
+            <a:endParaRPr lang="en-US" dirty="0"/>
+          </a:p>
+          <a:p>
+            <a:pPr>
+              <a:lnSpc>
+                <a:spcPct val="90000"/>
+              </a:lnSpc>
+              <a:spcAft>
+                <a:spcPts val="600"/>
+              </a:spcAft>
+            </a:pPr>
+            <a:r>
+              <a:rPr lang="en-US" sz="2800" dirty="0"/>
+              <a:t>Learning objectives</a:t>
+            </a:r>
+          </a:p>
+          <a:p>
+            <a:pPr marL="342900" indent="-342900">
+              <a:lnSpc>
+                <a:spcPct val="90000"/>
+              </a:lnSpc>
+              <a:spcAft>
+                <a:spcPts val="600"/>
+              </a:spcAft>
+              <a:buFont typeface="Arial" panose="020B0604020202020204" pitchFamily="34" charset="0"/>
+              <a:buChar char="•"/>
+            </a:pPr>
+            <a:r>
+              <a:rPr lang="en-US" dirty="0">
+                <a:latin typeface="Segoe UI Semilight" panose="020B0402040204020203" pitchFamily="34" charset="0"/>
+                <a:cs typeface="Segoe UI Semilight" panose="020B0402040204020203" pitchFamily="34" charset="0"/>
+              </a:rPr>
+              <a:t>Build an end to end analytics solution using Azure Synapse Analytics </a:t>
+            </a:r>
+          </a:p>
+          <a:p>
+            <a:pPr marL="342900" indent="-342900">
+              <a:lnSpc>
+                <a:spcPct val="90000"/>
+              </a:lnSpc>
+              <a:spcAft>
+                <a:spcPts val="600"/>
+              </a:spcAft>
+              <a:buFont typeface="Arial" panose="020B0604020202020204" pitchFamily="34" charset="0"/>
+              <a:buChar char="•"/>
+            </a:pPr>
+            <a:r>
+              <a:rPr lang="en-US" dirty="0">
+                <a:latin typeface="Segoe UI Semilight" panose="020B0402040204020203" pitchFamily="34" charset="0"/>
+                <a:cs typeface="Segoe UI Semilight" panose="020B0402040204020203" pitchFamily="34" charset="0"/>
+              </a:rPr>
+              <a:t>Design performant solutions for both hot and cold path data processing</a:t>
+            </a:r>
+          </a:p>
+          <a:p>
+            <a:pPr marL="342900" indent="-342900">
+              <a:lnSpc>
+                <a:spcPct val="90000"/>
+              </a:lnSpc>
+              <a:spcAft>
+                <a:spcPts val="600"/>
+              </a:spcAft>
+              <a:buFont typeface="Arial" panose="020B0604020202020204" pitchFamily="34" charset="0"/>
+              <a:buChar char="•"/>
+            </a:pPr>
+            <a:r>
+              <a:rPr lang="en-US" dirty="0">
+                <a:latin typeface="Segoe UI Semilight" panose="020B0402040204020203" pitchFamily="34" charset="0"/>
+                <a:cs typeface="Segoe UI Semilight" panose="020B0402040204020203" pitchFamily="34" charset="0"/>
+              </a:rPr>
+              <a:t>Create data preparation pipelines</a:t>
+            </a:r>
+          </a:p>
+          <a:p>
+            <a:pPr marL="342900" indent="-342900">
+              <a:lnSpc>
+                <a:spcPct val="90000"/>
+              </a:lnSpc>
+              <a:spcAft>
+                <a:spcPts val="600"/>
+              </a:spcAft>
+              <a:buFont typeface="Arial" panose="020B0604020202020204" pitchFamily="34" charset="0"/>
+              <a:buChar char="•"/>
+            </a:pPr>
+            <a:r>
+              <a:rPr lang="en-US" dirty="0">
+                <a:latin typeface="Segoe UI Semilight" panose="020B0402040204020203" pitchFamily="34" charset="0"/>
+                <a:cs typeface="Segoe UI Semilight" panose="020B0402040204020203" pitchFamily="34" charset="0"/>
+              </a:rPr>
+              <a:t>Integrate machine learning models</a:t>
+            </a:r>
+          </a:p>
+          <a:p>
+            <a:pPr>
+              <a:lnSpc>
+                <a:spcPct val="90000"/>
+              </a:lnSpc>
+              <a:defRPr/>
+            </a:pPr>
+            <a:endParaRPr lang="en-US" dirty="0"/>
           </a:p>
           <a:p>
             <a:pPr marR="0" lvl="0" algn="l" defTabSz="914400" rtl="0" eaLnBrk="1" fontAlgn="auto" latinLnBrk="0" hangingPunct="1">
@@ -22711,7 +22909,7 @@
       </p:sp>
       <p:pic>
         <p:nvPicPr>
-          <p:cNvPr id="6" name="Picture 5" descr="Machine learning workflow depicting the Apache Spark Pool creating the model and storing it in storage. The SQL Pool registering the model from storage and loading it into a table, and the SQL pool using the model to predict data and load the results into the table.">
+          <p:cNvPr id="6" name="Picture 5">
             <a:extLst>
               <a:ext uri="{FF2B5EF4-FFF2-40B4-BE49-F238E27FC236}">
                 <a16:creationId xmlns:a16="http://schemas.microsoft.com/office/drawing/2014/main" id="{0B073527-11B4-4999-AED7-2169F6809414}"/>
@@ -22731,14 +22929,13 @@
               </a:ext>
             </a:extLst>
           </a:blip>
-          <a:stretch>
-            <a:fillRect/>
-          </a:stretch>
+          <a:srcRect/>
+          <a:stretch/>
         </p:blipFill>
         <p:spPr>
           <a:xfrm>
-            <a:off x="2136161" y="1296472"/>
-            <a:ext cx="7791610" cy="5189718"/>
+            <a:off x="2136161" y="1378269"/>
+            <a:ext cx="7791610" cy="5026124"/>
           </a:xfrm>
           <a:prstGeom prst="rect">
             <a:avLst/>
@@ -22830,7 +23027,7 @@
         <p:spPr>
           <a:xfrm>
             <a:off x="269239" y="1189177"/>
-            <a:ext cx="11653523" cy="5613845"/>
+            <a:ext cx="11653523" cy="4019562"/>
           </a:xfrm>
         </p:spPr>
         <p:txBody>
@@ -22838,31 +23035,31 @@
           <a:lstStyle/>
           <a:p>
             <a:r>
-              <a:rPr lang="en-US" sz="3600" dirty="0"/>
+              <a:rPr lang="en-US" sz="2800" dirty="0"/>
               <a:t>Flat file data will land in Azure Data Lake Storage and be translated into relational tables within the data warehouse.</a:t>
             </a:r>
           </a:p>
           <a:p>
             <a:r>
-              <a:rPr lang="en-US" sz="3600" dirty="0"/>
+              <a:rPr lang="en-US" sz="2800" dirty="0"/>
               <a:t>Provide a separate storage account for each environment: dev, test, and production.</a:t>
             </a:r>
           </a:p>
           <a:p>
             <a:r>
-              <a:rPr lang="en-US" sz="3600" dirty="0"/>
+              <a:rPr lang="en-US" sz="2800" dirty="0"/>
               <a:t>Establish a common folder structure to organize data by degree of refinement. </a:t>
             </a:r>
           </a:p>
           <a:p>
             <a:r>
-              <a:rPr lang="en-US" sz="3600" dirty="0"/>
+              <a:rPr lang="en-US" sz="2800" dirty="0"/>
               <a:t>Batch raw data ingestion supported data formats are CSV, Parquet, ORC, and JSON.</a:t>
             </a:r>
           </a:p>
           <a:p>
             <a:r>
-              <a:rPr lang="en-US" sz="3600" dirty="0"/>
+              <a:rPr lang="en-US" sz="2800" dirty="0"/>
               <a:t>Streaming data ingested via Event Hub or IoT Hub.</a:t>
             </a:r>
           </a:p>
@@ -22920,7 +23117,7 @@
         <p:spPr>
           <a:xfrm>
             <a:off x="266920" y="1150756"/>
-            <a:ext cx="11653523" cy="6616555"/>
+            <a:ext cx="11653523" cy="5355312"/>
           </a:xfrm>
         </p:spPr>
         <p:txBody>
@@ -22928,47 +23125,39 @@
           <a:lstStyle/>
           <a:p>
             <a:r>
-              <a:rPr lang="en-US" sz="3100" dirty="0"/>
-              <a:t>Raw data is easily explored using Azure Synapse Analytics Studio.</a:t>
-            </a:r>
-          </a:p>
-          <a:p>
-            <a:r>
-              <a:rPr lang="en-US" sz="3100" dirty="0"/>
+              <a:rPr lang="en-US" sz="2800" dirty="0"/>
+              <a:t>Raw data is easily explored using Azure Synapse Studio.</a:t>
+            </a:r>
+          </a:p>
+          <a:p>
+            <a:r>
+              <a:rPr lang="en-US" sz="2800" dirty="0"/>
               <a:t>The Parquet data format is recommended for storing refined versions of data to benefit from interoperability and high performance.</a:t>
             </a:r>
           </a:p>
           <a:p>
             <a:r>
-              <a:rPr lang="en-US" sz="3100" dirty="0"/>
-              <a:t>Azure Synapse Analytics Studio provides a code-free graphical design surface to Map Data Flows that run at scale on Spark. Engineers can also use code if they prefer.</a:t>
-            </a:r>
-          </a:p>
-          <a:p>
-            <a:r>
-              <a:rPr lang="en-US" sz="3100" dirty="0"/>
+              <a:rPr lang="en-US" sz="2800" dirty="0"/>
+              <a:t>Azure Synapse Studio provides a code-free graphical design surface to create Data Flows that run at scale on Spark. Engineers can also use code if they prefer.</a:t>
+            </a:r>
+          </a:p>
+          <a:p>
+            <a:r>
+              <a:rPr lang="en-US" sz="2800" dirty="0"/>
               <a:t>Azure Synapse Analytics supports open source Apache Spark and the execution of Python, Scala, (and soon) R code.</a:t>
             </a:r>
           </a:p>
           <a:p>
             <a:r>
-              <a:rPr lang="en-US" sz="3100" dirty="0"/>
-              <a:t>Spark pools allow for the importing of libraries to leverage within attached </a:t>
-            </a:r>
-            <a:r>
-              <a:rPr lang="en-US" sz="3100" dirty="0" err="1"/>
-              <a:t>Jupyter</a:t>
-            </a:r>
-            <a:r>
-              <a:rPr lang="en-US" sz="3100" dirty="0"/>
-              <a:t> notebooks.</a:t>
-            </a:r>
-          </a:p>
-          <a:p>
-            <a:endParaRPr lang="en-US" dirty="0"/>
-          </a:p>
-          <a:p>
-            <a:endParaRPr lang="en-US" dirty="0"/>
+              <a:rPr lang="en-US" sz="2800" dirty="0"/>
+              <a:t>Azure Synapse Spark pools allow for the importing of libraries to leverage within attached Jupyter notebooks.</a:t>
+            </a:r>
+          </a:p>
+          <a:p>
+            <a:endParaRPr lang="en-US" sz="2800" dirty="0"/>
+          </a:p>
+          <a:p>
+            <a:endParaRPr lang="en-US" sz="2800" dirty="0"/>
           </a:p>
         </p:txBody>
       </p:sp>
@@ -23220,7 +23409,7 @@
         <p:spPr>
           <a:xfrm>
             <a:off x="266920" y="1150756"/>
-            <a:ext cx="11653523" cy="6568401"/>
+            <a:ext cx="11653523" cy="5355312"/>
           </a:xfrm>
         </p:spPr>
         <p:txBody>
@@ -23228,55 +23417,47 @@
           <a:lstStyle/>
           <a:p>
             <a:r>
-              <a:rPr lang="en-US" sz="4400" b="1" dirty="0"/>
+              <a:rPr lang="en-US" sz="2800" b="1" dirty="0"/>
               <a:t>Distributed</a:t>
             </a:r>
             <a:r>
-              <a:rPr lang="en-US" sz="4400" dirty="0"/>
+              <a:rPr lang="en-US" sz="2800" dirty="0"/>
               <a:t> table design recommendations</a:t>
             </a:r>
           </a:p>
           <a:p>
             <a:pPr lvl="1"/>
             <a:r>
-              <a:rPr lang="en-US" sz="3200" dirty="0"/>
+              <a:rPr lang="en-US" sz="2800" dirty="0"/>
               <a:t>Small fact tables exceeding several GBs with frequent inserts should use a hash distribution.</a:t>
             </a:r>
           </a:p>
           <a:p>
             <a:pPr lvl="1"/>
             <a:r>
-              <a:rPr lang="en-US" sz="3200" dirty="0"/>
+              <a:rPr lang="en-US" sz="2800" dirty="0"/>
               <a:t>Potentially useful tables created from raw input should use round-robin distribution.</a:t>
             </a:r>
           </a:p>
           <a:p>
             <a:pPr lvl="1"/>
             <a:r>
-              <a:rPr lang="en-US" sz="3200" dirty="0"/>
+              <a:rPr lang="en-US" sz="2800" dirty="0"/>
               <a:t>Temporary staging tables used in data preparation should use a round-robin distributed table.</a:t>
             </a:r>
           </a:p>
           <a:p>
             <a:pPr lvl="1"/>
             <a:r>
-              <a:rPr lang="en-US" sz="3200" dirty="0"/>
+              <a:rPr lang="en-US" sz="2800" dirty="0"/>
               <a:t>Lookup tables that range from several hundred MBs to 1.5 GBs in size should be considered for replication. (This works best when table size is less than 2 GB compressed)</a:t>
             </a:r>
+          </a:p>
+          <a:p>
             <a:endParaRPr lang="en-US" sz="2800" dirty="0"/>
           </a:p>
           <a:p>
-            <a:pPr lvl="1"/>
-            <a:r>
-              <a:rPr lang="en-US" sz="400" dirty="0"/>
-              <a:t>as</a:t>
-            </a:r>
-          </a:p>
-          <a:p>
-            <a:endParaRPr lang="en-US" sz="4000" dirty="0"/>
-          </a:p>
-          <a:p>
-            <a:endParaRPr lang="en-US" dirty="0"/>
+            <a:endParaRPr lang="en-US" sz="2800" dirty="0"/>
           </a:p>
         </p:txBody>
       </p:sp>
@@ -23365,7 +23546,7 @@
         <p:spPr>
           <a:xfrm>
             <a:off x="266920" y="1150756"/>
-            <a:ext cx="11653523" cy="6823856"/>
+            <a:ext cx="11653523" cy="4708981"/>
           </a:xfrm>
         </p:spPr>
         <p:txBody>
@@ -23373,50 +23554,40 @@
           <a:lstStyle/>
           <a:p>
             <a:r>
-              <a:rPr lang="en-US" sz="3300" dirty="0"/>
+              <a:rPr lang="en-US" sz="2800" dirty="0"/>
               <a:t>JSON formatted data columns are </a:t>
             </a:r>
             <a:r>
-              <a:rPr lang="en-US" sz="3300" dirty="0" err="1"/>
+              <a:rPr lang="en-US" sz="2800" dirty="0" err="1"/>
               <a:t>queryable</a:t>
             </a:r>
             <a:r>
-              <a:rPr lang="en-US" sz="3300" dirty="0"/>
-              <a:t> using SQL On-Demand in conjunction with T-SQL OPENJSON, JSON_VALUE, and </a:t>
-            </a:r>
-            <a:r>
-              <a:rPr lang="en-US" sz="3300" dirty="0" err="1"/>
+              <a:rPr lang="en-US" sz="2800" dirty="0"/>
+              <a:t> using Azure Synapse SQL serverless in conjunction with T-SQL OPENJSON, JSON_VALUE, and </a:t>
+            </a:r>
+            <a:r>
+              <a:rPr lang="en-US" sz="2800" dirty="0" err="1"/>
               <a:t>JSON_Query</a:t>
             </a:r>
             <a:r>
-              <a:rPr lang="en-US" sz="3300" dirty="0"/>
+              <a:rPr lang="en-US" sz="2800" dirty="0"/>
               <a:t> statements. JSON data is updateable via the JSON_MODIFY command.</a:t>
             </a:r>
           </a:p>
           <a:p>
             <a:r>
-              <a:rPr lang="en-US" sz="3300" dirty="0"/>
+              <a:rPr lang="en-US" sz="2800" dirty="0"/>
               <a:t>APPROXIMATE_COUNT_DISTINCT provides better count query performance with an average 2% accuracy of the true cardinality.</a:t>
             </a:r>
           </a:p>
           <a:p>
             <a:r>
-              <a:rPr lang="en-US" sz="3300" dirty="0"/>
+              <a:rPr lang="en-US" sz="2800" dirty="0"/>
               <a:t>When the same queries are executed repeatedly against mainly static data; result-set caching can be used to improve performance – this cache is invalidated and refreshed when underlying table data changes or the query code changes.</a:t>
             </a:r>
           </a:p>
           <a:p>
-            <a:pPr lvl="1"/>
-            <a:r>
-              <a:rPr lang="en-US" sz="400" dirty="0"/>
-              <a:t>as</a:t>
-            </a:r>
-          </a:p>
-          <a:p>
-            <a:endParaRPr lang="en-US" sz="4000" dirty="0"/>
-          </a:p>
-          <a:p>
-            <a:endParaRPr lang="en-US" dirty="0"/>
+            <a:endParaRPr lang="en-US" sz="2800" dirty="0"/>
           </a:p>
         </p:txBody>
       </p:sp>
@@ -23505,7 +23676,7 @@
         <p:spPr>
           <a:xfrm>
             <a:off x="266920" y="1150756"/>
-            <a:ext cx="11653523" cy="6843861"/>
+            <a:ext cx="11653523" cy="4493538"/>
           </a:xfrm>
         </p:spPr>
         <p:txBody>
@@ -23513,37 +23684,33 @@
           <a:lstStyle/>
           <a:p>
             <a:r>
-              <a:rPr lang="en-US" sz="3600" dirty="0"/>
-              <a:t>The Azure Synapse Analytics workspace provides the ability to create Power BI reports.</a:t>
-            </a:r>
-          </a:p>
-          <a:p>
-            <a:r>
-              <a:rPr lang="en-US" sz="3600" dirty="0"/>
-              <a:t>Power BI Desktop can also be used to publish both datasets and reports to the Azure Synapse Analytics workspace.</a:t>
-            </a:r>
-          </a:p>
-          <a:p>
-            <a:r>
-              <a:rPr lang="en-US" sz="3600" dirty="0"/>
+              <a:rPr lang="en-US" sz="2800" dirty="0"/>
+              <a:t>The Azure Synapse Studio provides the ability to create Power BI reports.</a:t>
+            </a:r>
+          </a:p>
+          <a:p>
+            <a:r>
+              <a:rPr lang="en-US" sz="2800" dirty="0"/>
+              <a:t>Power BI Desktop can also be used to publish both datasets and reports to the Azure Synapse Studio.</a:t>
+            </a:r>
+          </a:p>
+          <a:p>
+            <a:r>
+              <a:rPr lang="en-US" sz="2800" dirty="0"/>
               <a:t>Power BI supports the creation of dashboards that query both batch and streaming data into a single view.</a:t>
             </a:r>
           </a:p>
           <a:p>
             <a:r>
-              <a:rPr lang="en-US" sz="3600" dirty="0"/>
-              <a:t>Power BI with SQL-On-demand can create reports with data residing in Azure Storage that hasn’t yet been moved to the data warehouse</a:t>
-            </a:r>
-            <a:r>
-              <a:rPr lang="en-US" sz="400" dirty="0"/>
-              <a:t>.</a:t>
-            </a:r>
-          </a:p>
-          <a:p>
-            <a:endParaRPr lang="en-US" sz="4000" dirty="0"/>
-          </a:p>
-          <a:p>
-            <a:endParaRPr lang="en-US" dirty="0"/>
+              <a:rPr lang="en-US" sz="2800" dirty="0"/>
+              <a:t>Power BI with Azure Synapse SQL serverless they can create reports with data residing in Azure Storage that hasn’t yet been moved to the data warehouse.</a:t>
+            </a:r>
+          </a:p>
+          <a:p>
+            <a:endParaRPr lang="en-US" sz="2800" dirty="0"/>
+          </a:p>
+          <a:p>
+            <a:endParaRPr lang="en-US" sz="2800" dirty="0"/>
           </a:p>
         </p:txBody>
       </p:sp>
@@ -23632,7 +23799,7 @@
         <p:spPr>
           <a:xfrm>
             <a:off x="266920" y="1150756"/>
-            <a:ext cx="11653523" cy="6767687"/>
+            <a:ext cx="11653523" cy="6290953"/>
           </a:xfrm>
         </p:spPr>
         <p:txBody>
@@ -23640,81 +23807,80 @@
           <a:lstStyle/>
           <a:p>
             <a:r>
-              <a:rPr lang="en-US" sz="3600" dirty="0"/>
+              <a:rPr lang="en-US" sz="2800" dirty="0"/>
               <a:t>Resource contention can be mitigated by applying Workload Management in Azure Synapse Analytics.</a:t>
             </a:r>
           </a:p>
           <a:p>
             <a:pPr lvl="1"/>
             <a:r>
-              <a:rPr lang="en-US" sz="2032" dirty="0"/>
+              <a:rPr lang="en-US" sz="2400" dirty="0"/>
               <a:t>Assign a request to a workload group and set importance levels through </a:t>
             </a:r>
             <a:r>
-              <a:rPr lang="en-US" sz="2032" b="1" dirty="0"/>
+              <a:rPr lang="en-US" sz="2400" b="1" dirty="0"/>
               <a:t>Workload Classification</a:t>
             </a:r>
             <a:r>
-              <a:rPr lang="en-US" sz="2032" dirty="0"/>
+              <a:rPr lang="en-US" sz="2400" dirty="0"/>
               <a:t>.</a:t>
             </a:r>
           </a:p>
           <a:p>
             <a:pPr lvl="1"/>
             <a:r>
-              <a:rPr lang="en-US" sz="2032" dirty="0"/>
+              <a:rPr lang="en-US" sz="2400" dirty="0"/>
               <a:t>Influence the order in which a request gets access to resources through </a:t>
             </a:r>
             <a:r>
-              <a:rPr lang="en-US" sz="2032" b="1" dirty="0"/>
+              <a:rPr lang="en-US" sz="2400" b="1" dirty="0"/>
               <a:t>Workload Importance</a:t>
             </a:r>
             <a:r>
-              <a:rPr lang="en-US" sz="2032" dirty="0"/>
+              <a:rPr lang="en-US" sz="2400" dirty="0"/>
               <a:t>.</a:t>
             </a:r>
           </a:p>
           <a:p>
             <a:pPr lvl="1"/>
             <a:r>
-              <a:rPr lang="en-US" sz="2032" dirty="0"/>
+              <a:rPr lang="en-US" sz="2400" dirty="0"/>
               <a:t>Reserve resources for a workload group through </a:t>
             </a:r>
             <a:r>
-              <a:rPr lang="en-US" sz="2032" b="1" dirty="0"/>
+              <a:rPr lang="en-US" sz="2400" b="1" dirty="0"/>
               <a:t>Workload Isolation</a:t>
             </a:r>
             <a:r>
-              <a:rPr lang="en-US" sz="2032" dirty="0"/>
+              <a:rPr lang="en-US" sz="2400" dirty="0"/>
               <a:t>.</a:t>
             </a:r>
           </a:p>
           <a:p>
             <a:r>
-              <a:rPr lang="en-US" sz="3600" dirty="0"/>
+              <a:rPr lang="en-US" sz="2800" dirty="0"/>
               <a:t>Leverage Azure Advisor recommendations to identify suboptimal table distribution, data skew, cache misses, </a:t>
             </a:r>
             <a:r>
-              <a:rPr lang="en-US" sz="3600" dirty="0" err="1"/>
+              <a:rPr lang="en-US" sz="2800" dirty="0" err="1"/>
               <a:t>tempdb</a:t>
             </a:r>
             <a:r>
-              <a:rPr lang="en-US" sz="3600" dirty="0"/>
+              <a:rPr lang="en-US" sz="2800" dirty="0"/>
               <a:t> contention, and suboptimal plan selection.</a:t>
             </a:r>
           </a:p>
           <a:p>
             <a:r>
-              <a:rPr lang="en-US" sz="3600" dirty="0"/>
+              <a:rPr lang="en-US" sz="2800" dirty="0"/>
               <a:t>Avoid disruptive system downtime attributed to system upgrades by setting maintenance windows and notifications in Azure Synapse Analytics.</a:t>
             </a:r>
-            <a:endParaRPr lang="en-US" sz="400" dirty="0"/>
-          </a:p>
-          <a:p>
-            <a:endParaRPr lang="en-US" sz="4000" dirty="0"/>
-          </a:p>
-          <a:p>
-            <a:endParaRPr lang="en-US" dirty="0"/>
+          </a:p>
+          <a:p>
+            <a:endParaRPr lang="en-US" sz="2800" dirty="0"/>
+          </a:p>
+          <a:p>
+            <a:endParaRPr lang="en-US" sz="2800" dirty="0"/>
           </a:p>
         </p:txBody>
       </p:sp>
@@ -23803,7 +23969,7 @@
         <p:spPr>
           <a:xfrm>
             <a:off x="266920" y="1150756"/>
-            <a:ext cx="11653523" cy="6234464"/>
+            <a:ext cx="11653523" cy="4019562"/>
           </a:xfrm>
         </p:spPr>
         <p:txBody>
@@ -23811,28 +23977,27 @@
           <a:lstStyle/>
           <a:p>
             <a:r>
-              <a:rPr lang="en-US" sz="3600" dirty="0"/>
+              <a:rPr lang="en-US" sz="2800" dirty="0"/>
               <a:t>Azure Synapse Analytics utilizes Azure Active Directory (AAD) as its authentication mechanism.</a:t>
             </a:r>
           </a:p>
           <a:p>
             <a:r>
-              <a:rPr lang="en-US" sz="3600" dirty="0"/>
+              <a:rPr lang="en-US" sz="2800" dirty="0"/>
               <a:t>Azure Data Lake Store gen 2 authorization provides container level security via AAD roles. Fine-grained access control is enabled by setting POSIX ACLs at the folder level.</a:t>
             </a:r>
           </a:p>
           <a:p>
             <a:r>
-              <a:rPr lang="en-US" sz="3600" dirty="0"/>
+              <a:rPr lang="en-US" sz="2800" dirty="0"/>
               <a:t>Database permissions (including object level security for tables, views, stored procedures, and functions) are based on AAD groups and users. </a:t>
             </a:r>
-            <a:endParaRPr lang="en-US" sz="400" dirty="0"/>
-          </a:p>
-          <a:p>
-            <a:endParaRPr lang="en-US" sz="4000" dirty="0"/>
-          </a:p>
-          <a:p>
-            <a:endParaRPr lang="en-US" dirty="0"/>
+          </a:p>
+          <a:p>
+            <a:endParaRPr lang="en-US" sz="2800" dirty="0"/>
+          </a:p>
+          <a:p>
+            <a:endParaRPr lang="en-US" sz="2800" dirty="0"/>
           </a:p>
         </p:txBody>
       </p:sp>
@@ -23921,7 +24086,7 @@
         <p:spPr>
           <a:xfrm>
             <a:off x="266920" y="1150756"/>
-            <a:ext cx="11653523" cy="6079228"/>
+            <a:ext cx="11653523" cy="5392245"/>
           </a:xfrm>
         </p:spPr>
         <p:txBody>
@@ -23929,58 +24094,57 @@
           <a:lstStyle/>
           <a:p>
             <a:r>
-              <a:rPr lang="en-US" sz="3600" dirty="0"/>
+              <a:rPr lang="en-US" sz="2800" dirty="0"/>
               <a:t>Fine-grained data security can be achieved via:</a:t>
             </a:r>
           </a:p>
           <a:p>
             <a:pPr lvl="1"/>
             <a:r>
-              <a:rPr lang="en-US" sz="2032" b="1" dirty="0"/>
+              <a:rPr lang="en-US" sz="2000" b="1" dirty="0"/>
               <a:t>Row Level Security </a:t>
             </a:r>
             <a:r>
-              <a:rPr lang="en-US" sz="2032" dirty="0"/>
+              <a:rPr lang="en-US" sz="2000" dirty="0"/>
               <a:t>– access restriction logic resides in the database tier. This logic filters out rows the user is not authorized to select, update, or delete in SQL Pool database tables. This approach makes your security system more reliable and robust by reducing the surface area.</a:t>
             </a:r>
           </a:p>
           <a:p>
             <a:pPr lvl="1"/>
             <a:r>
-              <a:rPr lang="en-US" sz="2032" b="1" dirty="0"/>
+              <a:rPr lang="en-US" sz="2000" b="1" dirty="0"/>
               <a:t>Column Level Security </a:t>
             </a:r>
             <a:r>
-              <a:rPr lang="en-US" sz="2032" dirty="0"/>
+              <a:rPr lang="en-US" sz="2000" dirty="0"/>
               <a:t>– controls access to specific columns in SQL Pool database tables based on a user’s group membership or execution context</a:t>
             </a:r>
           </a:p>
           <a:p>
             <a:pPr lvl="1"/>
             <a:r>
-              <a:rPr lang="en-US" sz="2032" b="1" dirty="0"/>
+              <a:rPr lang="en-US" sz="2000" b="1" dirty="0"/>
               <a:t>Dynamic Data Masking </a:t>
             </a:r>
             <a:r>
-              <a:rPr lang="en-US" sz="2032" dirty="0"/>
+              <a:rPr lang="en-US" sz="2000" dirty="0"/>
               <a:t>– obfuscates sensitive data based on a user’s group membership.</a:t>
             </a:r>
-            <a:endParaRPr lang="en-US" sz="1668" dirty="0"/>
-          </a:p>
-          <a:p>
-            <a:r>
-              <a:rPr lang="en-US" sz="3200" dirty="0"/>
+          </a:p>
+          <a:p>
+            <a:r>
+              <a:rPr lang="en-US" sz="2800" dirty="0"/>
               <a:t>SQL Vulnerability Assessment is an automated tool used to discover, track, and remediate database vulnerabilities that also gives you the ability to set a security baseline that will customize scan results to suit your environment.</a:t>
             </a:r>
           </a:p>
           <a:p>
             <a:r>
-              <a:rPr lang="en-US" sz="3200" dirty="0"/>
+              <a:rPr lang="en-US" sz="2800" dirty="0"/>
               <a:t>SQL Threat Detection allows you to respond to and remediate unusual and harmful attempts to breach your database. </a:t>
             </a:r>
           </a:p>
           <a:p>
-            <a:endParaRPr lang="en-US" dirty="0"/>
+            <a:endParaRPr lang="en-US" sz="2800" dirty="0"/>
           </a:p>
         </p:txBody>
       </p:sp>
@@ -24251,7 +24415,7 @@
         <p:spPr>
           <a:xfrm>
             <a:off x="266920" y="1150756"/>
-            <a:ext cx="11653523" cy="5446556"/>
+            <a:ext cx="11653523" cy="3459409"/>
           </a:xfrm>
         </p:spPr>
         <p:txBody>
@@ -24259,27 +24423,26 @@
           <a:lstStyle/>
           <a:p>
             <a:r>
-              <a:rPr lang="en-US" sz="3600" dirty="0"/>
+              <a:rPr lang="en-US" sz="2800" dirty="0"/>
               <a:t>SQL Data Discovery and Classification automatically discovers columns containing potentially sensitive data and provides recommendations for labeling this data via metadata attributes.</a:t>
             </a:r>
           </a:p>
           <a:p>
             <a:r>
-              <a:rPr lang="en-US" sz="3600" dirty="0"/>
+              <a:rPr lang="en-US" sz="2800" dirty="0"/>
               <a:t>From a network perspective, Azure Synapse Analytics workspaces can be deployed in a Virtual Network that exposes managed private endpoints. This way all traffic between the </a:t>
             </a:r>
             <a:r>
-              <a:rPr lang="en-US" sz="3600" dirty="0" err="1"/>
+              <a:rPr lang="en-US" sz="2800" dirty="0" err="1"/>
               <a:t>VNet</a:t>
             </a:r>
             <a:r>
-              <a:rPr lang="en-US" sz="3600" dirty="0"/>
+              <a:rPr lang="en-US" sz="2800" dirty="0"/>
               <a:t> and Azure Synapse Analytics traverses only over the Microsoft backbone network.</a:t>
             </a:r>
-            <a:endParaRPr lang="en-US" sz="3200" dirty="0"/>
-          </a:p>
-          <a:p>
-            <a:endParaRPr lang="en-US" dirty="0"/>
+          </a:p>
+          <a:p>
+            <a:endParaRPr lang="en-US" sz="2800" dirty="0"/>
           </a:p>
         </p:txBody>
       </p:sp>
@@ -24410,12 +24573,12 @@
         </p:spPr>
         <p:txBody>
           <a:bodyPr>
-            <a:normAutofit fontScale="92500" lnSpcReduction="10000"/>
+            <a:normAutofit/>
           </a:bodyPr>
           <a:lstStyle/>
           <a:p>
             <a:r>
-              <a:rPr lang="en-US" sz="3600" dirty="0">
+              <a:rPr lang="en-US" sz="2800" dirty="0">
                 <a:solidFill>
                   <a:schemeClr val="tx1"/>
                 </a:solidFill>
@@ -24458,7 +24621,7 @@
           </a:p>
           <a:p>
             <a:r>
-              <a:rPr lang="en-US" sz="3600" dirty="0">
+              <a:rPr lang="en-US" sz="2800" dirty="0">
                 <a:solidFill>
                   <a:schemeClr val="tx1"/>
                 </a:solidFill>
@@ -24609,10 +24772,15 @@
         </p:spPr>
         <p:txBody>
           <a:bodyPr>
-            <a:normAutofit fontScale="77500" lnSpcReduction="20000"/>
+            <a:normAutofit fontScale="70000" lnSpcReduction="20000"/>
           </a:bodyPr>
           <a:lstStyle/>
           <a:p>
+            <a:pPr>
+              <a:lnSpc>
+                <a:spcPct val="120000"/>
+              </a:lnSpc>
+            </a:pPr>
             <a:r>
               <a:rPr lang="en-US" sz="3600" dirty="0">
                 <a:solidFill>
@@ -24630,6 +24798,7 @@
               <a:solidFill>
                 <a:schemeClr val="tx1"/>
               </a:solidFill>
+              <a:latin typeface="+mj-lt"/>
             </a:endParaRPr>
           </a:p>
           <a:p>
@@ -24637,10 +24806,11 @@
               <a:buNone/>
             </a:pPr>
             <a:r>
-              <a:rPr lang="en-US" sz="2400" dirty="0">
-                <a:solidFill>
-                  <a:schemeClr val="tx1"/>
-                </a:solidFill>
+              <a:rPr lang="en-US" sz="2600" dirty="0">
+                <a:solidFill>
+                  <a:schemeClr val="tx1"/>
+                </a:solidFill>
+                <a:latin typeface="+mj-lt"/>
               </a:rPr>
               <a:t>Azure Synapse Analytics provides an integrated environment that does exactly this.</a:t>
             </a:r>
@@ -24653,9 +24823,15 @@
               <a:solidFill>
                 <a:schemeClr val="tx1"/>
               </a:solidFill>
+              <a:latin typeface="+mj-lt"/>
             </a:endParaRPr>
           </a:p>
           <a:p>
+            <a:pPr>
+              <a:lnSpc>
+                <a:spcPct val="120000"/>
+              </a:lnSpc>
+            </a:pPr>
             <a:r>
               <a:rPr lang="en-US" sz="3600" dirty="0">
                 <a:solidFill>
@@ -24667,31 +24843,34 @@
           </a:p>
           <a:p>
             <a:pPr marL="336145" lvl="1" indent="0">
+              <a:lnSpc>
+                <a:spcPct val="120000"/>
+              </a:lnSpc>
               <a:buNone/>
             </a:pPr>
-            <a:endParaRPr lang="en-US" sz="2400" dirty="0">
+            <a:endParaRPr lang="en-US" sz="2300" dirty="0">
               <a:solidFill>
                 <a:schemeClr val="tx1"/>
               </a:solidFill>
+              <a:latin typeface="+mj-lt"/>
             </a:endParaRPr>
           </a:p>
           <a:p>
             <a:pPr marL="336145" lvl="1" indent="0">
+              <a:lnSpc>
+                <a:spcPct val="120000"/>
+              </a:lnSpc>
               <a:buNone/>
             </a:pPr>
             <a:r>
-              <a:rPr lang="en-US" sz="2400" dirty="0">
-                <a:solidFill>
-                  <a:schemeClr val="tx1"/>
-                </a:solidFill>
-              </a:rPr>
-              <a:t>Azure Synapse Analytics supports serverless querying via SQL on-demand allowing for interactive queries that utilize T-SQL queries over high scale data in Azure storage. It supports data in various formats including Parquet, CSV, and JSON. It would be appropriate for dashboards and reports, as it supports Power BI and can be used refresh dashboard datasets. It is also appropriate for basic data discovery and exploration and supporting "single query ETL" that transforms Azure Storage based data in a massively parallel fashion.</a:t>
-            </a:r>
-            <a:endParaRPr lang="en-US" sz="2032" dirty="0">
-              <a:solidFill>
-                <a:schemeClr val="tx1"/>
-              </a:solidFill>
-            </a:endParaRPr>
+              <a:rPr lang="en-US" sz="2600" dirty="0">
+                <a:solidFill>
+                  <a:schemeClr val="tx1"/>
+                </a:solidFill>
+                <a:latin typeface="+mj-lt"/>
+              </a:rPr>
+              <a:t>Azure Synapse Analytics supports serverless querying via Azure Synapse SQL serverless allowing for interactive queries that utilize T-SQL queries over high scale data in Azure storage. It supports data in various formats including Parquet, CSV, and JSON. It would be appropriate for dashboards and reports, as it supports Power BI and can be used refresh dashboard datasets. It is also appropriate for basic data discovery and exploration and supporting "single query ETL" that transforms Azure Storage based data in a massively parallel fashion.</a:t>
+            </a:r>
           </a:p>
           <a:p>
             <a:endParaRPr lang="en-US" sz="3600" dirty="0">
@@ -24808,12 +24987,12 @@
         </p:spPr>
         <p:txBody>
           <a:bodyPr>
-            <a:normAutofit fontScale="92500" lnSpcReduction="10000"/>
+            <a:normAutofit fontScale="92500" lnSpcReduction="20000"/>
           </a:bodyPr>
           <a:lstStyle/>
           <a:p>
             <a:r>
-              <a:rPr lang="en-US" sz="3600" dirty="0">
+              <a:rPr lang="en-US" sz="3000" dirty="0">
                 <a:solidFill>
                   <a:schemeClr val="tx1"/>
                 </a:solidFill>
@@ -24829,10 +25008,14 @@
               <a:solidFill>
                 <a:schemeClr val="tx1"/>
               </a:solidFill>
+              <a:latin typeface="+mj-lt"/>
             </a:endParaRPr>
           </a:p>
           <a:p>
             <a:pPr marL="336145" lvl="1" indent="0">
+              <a:lnSpc>
+                <a:spcPct val="110000"/>
+              </a:lnSpc>
               <a:buNone/>
             </a:pPr>
             <a:r>
@@ -24840,8 +25023,9 @@
                 <a:solidFill>
                   <a:schemeClr val="tx1"/>
                 </a:solidFill>
-              </a:rPr>
-              <a:t>No. This is a unique differentiator of Azure Synapse Analytics. Within one Azure Synapse Analytics workspace, they can have pre-provisioned SQL Pools, and also have SQL on-demand serverless querying.</a:t>
+                <a:latin typeface="+mj-lt"/>
+              </a:rPr>
+              <a:t>No. This is a unique differentiator of Azure Synapse Analytics. Within one Azure Synapse Analytics workspace, they can have pre-provisioned Azure Synapse SQL pools, and also have serverless querying using the Azure Synapse SQL serverless endpoint.</a:t>
             </a:r>
           </a:p>
           <a:p>
@@ -24852,11 +25036,12 @@
               <a:solidFill>
                 <a:schemeClr val="tx1"/>
               </a:solidFill>
+              <a:latin typeface="+mj-lt"/>
             </a:endParaRPr>
           </a:p>
           <a:p>
             <a:r>
-              <a:rPr lang="en-US" sz="3600" dirty="0">
+              <a:rPr lang="en-US" sz="3000" dirty="0">
                 <a:solidFill>
                   <a:schemeClr val="tx1"/>
                 </a:solidFill>
@@ -24872,10 +25057,14 @@
               <a:solidFill>
                 <a:schemeClr val="tx1"/>
               </a:solidFill>
+              <a:latin typeface="+mj-lt"/>
             </a:endParaRPr>
           </a:p>
           <a:p>
             <a:pPr marL="336145" lvl="1" indent="0">
+              <a:lnSpc>
+                <a:spcPct val="110000"/>
+              </a:lnSpc>
               <a:buNone/>
             </a:pPr>
             <a:r>
@@ -24883,13 +25072,15 @@
                 <a:solidFill>
                   <a:schemeClr val="tx1"/>
                 </a:solidFill>
-              </a:rPr>
-              <a:t>For data stored in SQL Pool databases as well as data stored in Azure Storage (including Azure Data Lake Store gen 2), Azure Synapse Analytics supports transparent data encryption (TDE), which means all data is encrypted when written to disk and decrypted when read. When it comes to the keys used for encryption and decryption, TDE provides the option of using service managed keys that are supplied by Microsoft, or user managed keys that are provided by the customer and are stored securely in Azure Key Vault.</a:t>
+                <a:latin typeface="+mj-lt"/>
+              </a:rPr>
+              <a:t>For data stored in Azure Synapse SQL databases as well as data stored in Azure Storage (including Azure Data Lake Store gen 2), Azure Synapse Analytics supports transparent data encryption (TDE), which means all data is encrypted when written to disk and decrypted when read. When it comes to the keys used for encryption and decryption, TDE provides the option of using service managed keys that are supplied by Microsoft, or user managed keys that are provided by the customer and are stored securely in Azure Key Vault.</a:t>
             </a:r>
             <a:endParaRPr lang="en-US" sz="3600" dirty="0">
               <a:solidFill>
                 <a:schemeClr val="tx1"/>
               </a:solidFill>
+              <a:latin typeface="+mj-lt"/>
             </a:endParaRPr>
           </a:p>
           <a:p>
@@ -25006,7 +25197,7 @@
               <a:buNone/>
             </a:pPr>
             <a:r>
-              <a:rPr lang="en-US" sz="3600" dirty="0">
+              <a:rPr lang="en-US" sz="2800" dirty="0">
                 <a:solidFill>
                   <a:schemeClr val="tx1"/>
                 </a:solidFill>
@@ -25211,12 +25402,12 @@
         </p:spPr>
         <p:txBody>
           <a:bodyPr>
-            <a:normAutofit fontScale="92500"/>
+            <a:normAutofit/>
           </a:bodyPr>
           <a:lstStyle/>
           <a:p>
             <a:r>
-              <a:rPr lang="en-US" sz="3600" dirty="0">
+              <a:rPr lang="en-US" sz="2800" dirty="0">
                 <a:solidFill>
                   <a:schemeClr val="tx1"/>
                 </a:solidFill>
@@ -25225,7 +25416,7 @@
               <a:t>Wide World Importers has hundreds of brick and mortar stores. </a:t>
             </a:r>
             <a:r>
-              <a:rPr lang="en-US" sz="3600" dirty="0">
+              <a:rPr lang="en-US" sz="2800" dirty="0">
                 <a:solidFill>
                   <a:schemeClr val="tx1"/>
                 </a:solidFill>
@@ -25235,14 +25426,14 @@
           </a:p>
           <a:p>
             <a:r>
-              <a:rPr lang="en-US" sz="3600" dirty="0">
+              <a:rPr lang="en-US" sz="2800" dirty="0">
                 <a:solidFill>
                   <a:schemeClr val="tx1"/>
                 </a:solidFill>
               </a:rPr>
               <a:t>They wish to combine their historic data and tie it together with near real-time data streams to produce dashboard KPIs and machine learning models that enable them to make informed up to the minute decisions.</a:t>
             </a:r>
-            <a:endParaRPr lang="en-US" sz="2200" dirty="0">
+            <a:endParaRPr lang="en-US" sz="2800" dirty="0">
               <a:solidFill>
                 <a:schemeClr val="tx1"/>
               </a:solidFill>
@@ -25257,7 +25448,7 @@
               </a:spcAft>
               <a:buNone/>
             </a:pPr>
-            <a:endParaRPr lang="en-US" sz="1800" dirty="0">
+            <a:endParaRPr lang="en-US" sz="2800" dirty="0">
               <a:solidFill>
                 <a:schemeClr val="tx1"/>
               </a:solidFill>
@@ -25394,7 +25585,7 @@
         </p:spPr>
         <p:txBody>
           <a:bodyPr>
-            <a:normAutofit fontScale="77500" lnSpcReduction="20000"/>
+            <a:normAutofit/>
           </a:bodyPr>
           <a:lstStyle/>
           <a:p>
@@ -25404,7 +25595,7 @@
               </a:lnSpc>
             </a:pPr>
             <a:r>
-              <a:rPr lang="en-US" sz="4700" dirty="0">
+              <a:rPr lang="en-US" sz="2800" dirty="0">
                 <a:solidFill>
                   <a:schemeClr val="tx1"/>
                 </a:solidFill>
@@ -25419,7 +25610,7 @@
               </a:lnSpc>
             </a:pPr>
             <a:r>
-              <a:rPr lang="en-US" sz="4700" dirty="0">
+              <a:rPr lang="en-US" sz="2800" dirty="0">
                 <a:solidFill>
                   <a:schemeClr val="tx1"/>
                 </a:solidFill>
@@ -25434,7 +25625,7 @@
               </a:spcAft>
               <a:buNone/>
             </a:pPr>
-            <a:endParaRPr lang="en-US" sz="1800" dirty="0">
+            <a:endParaRPr lang="en-US" sz="2800" dirty="0">
               <a:solidFill>
                 <a:schemeClr val="tx1"/>
               </a:solidFill>
@@ -25442,6 +25633,84 @@
           </a:p>
         </p:txBody>
       </p:sp>
+      <p:pic>
+        <p:nvPicPr>
+          <p:cNvPr id="5" name="Graphic 4" descr="Database">
+            <a:extLst>
+              <a:ext uri="{FF2B5EF4-FFF2-40B4-BE49-F238E27FC236}">
+                <a16:creationId xmlns:a16="http://schemas.microsoft.com/office/drawing/2014/main" id="{A58634F1-F885-4C54-9CB9-B2AB33E14FC2}"/>
+              </a:ext>
+            </a:extLst>
+          </p:cNvPr>
+          <p:cNvPicPr>
+            <a:picLocks noChangeAspect="1"/>
+          </p:cNvPicPr>
+          <p:nvPr/>
+        </p:nvPicPr>
+        <p:blipFill>
+          <a:blip r:embed="rId3">
+            <a:extLst>
+              <a:ext uri="{28A0092B-C50C-407E-A947-70E740481C1C}">
+                <a14:useLocalDpi xmlns:a14="http://schemas.microsoft.com/office/drawing/2010/main" val="0"/>
+              </a:ext>
+              <a:ext uri="{96DAC541-7B7A-43D3-8B79-37D633B846F1}">
+                <asvg:svgBlip xmlns:asvg="http://schemas.microsoft.com/office/drawing/2016/SVG/main" r:embed="rId4"/>
+              </a:ext>
+            </a:extLst>
+          </a:blip>
+          <a:stretch>
+            <a:fillRect/>
+          </a:stretch>
+        </p:blipFill>
+        <p:spPr>
+          <a:xfrm>
+            <a:off x="9713976" y="4380437"/>
+            <a:ext cx="2478024" cy="2478024"/>
+          </a:xfrm>
+          <a:prstGeom prst="rect">
+            <a:avLst/>
+          </a:prstGeom>
+        </p:spPr>
+      </p:pic>
+      <p:pic>
+        <p:nvPicPr>
+          <p:cNvPr id="7" name="Graphic 6" descr="Research">
+            <a:extLst>
+              <a:ext uri="{FF2B5EF4-FFF2-40B4-BE49-F238E27FC236}">
+                <a16:creationId xmlns:a16="http://schemas.microsoft.com/office/drawing/2014/main" id="{93FBA86C-3611-4776-BF5D-FB13DD459B12}"/>
+              </a:ext>
+            </a:extLst>
+          </p:cNvPr>
+          <p:cNvPicPr>
+            <a:picLocks noChangeAspect="1"/>
+          </p:cNvPicPr>
+          <p:nvPr/>
+        </p:nvPicPr>
+        <p:blipFill>
+          <a:blip r:embed="rId5">
+            <a:extLst>
+              <a:ext uri="{28A0092B-C50C-407E-A947-70E740481C1C}">
+                <a14:useLocalDpi xmlns:a14="http://schemas.microsoft.com/office/drawing/2010/main" val="0"/>
+              </a:ext>
+              <a:ext uri="{96DAC541-7B7A-43D3-8B79-37D633B846F1}">
+                <asvg:svgBlip xmlns:asvg="http://schemas.microsoft.com/office/drawing/2016/SVG/main" r:embed="rId6"/>
+              </a:ext>
+            </a:extLst>
+          </a:blip>
+          <a:stretch>
+            <a:fillRect/>
+          </a:stretch>
+        </p:blipFill>
+        <p:spPr>
+          <a:xfrm>
+            <a:off x="10680840" y="5798673"/>
+            <a:ext cx="914400" cy="914400"/>
+          </a:xfrm>
+          <a:prstGeom prst="rect">
+            <a:avLst/>
+          </a:prstGeom>
+        </p:spPr>
+      </p:pic>
     </p:spTree>
     <p:extLst>
       <p:ext uri="{BB962C8B-B14F-4D97-AF65-F5344CB8AC3E}">
@@ -25499,7 +25768,7 @@
         <p:spPr>
           <a:xfrm>
             <a:off x="266920" y="1089285"/>
-            <a:ext cx="10859561" cy="5281446"/>
+            <a:ext cx="10859561" cy="2597634"/>
           </a:xfrm>
         </p:spPr>
         <p:txBody>
@@ -25507,13 +25776,13 @@
           <a:lstStyle/>
           <a:p>
             <a:r>
-              <a:rPr lang="en-US" sz="3600" dirty="0"/>
+              <a:rPr lang="en-US" sz="2800" dirty="0"/>
               <a:t>WWI has 100 stores each equipped with 50 IoT sensors that monitor customer behavior in the store aisles.</a:t>
             </a:r>
           </a:p>
           <a:p>
             <a:r>
-              <a:rPr lang="en-US" sz="3600" dirty="0"/>
+              <a:rPr lang="en-US" sz="2800" dirty="0"/>
               <a:t>They need to ingest sensor data in near real time to allow them to quickly identify patterns that can be shared between stores in an aim to improve sales with last minute offers and improved product placement.</a:t>
             </a:r>
           </a:p>
@@ -25542,11 +25811,50 @@
           <a:p>
             <a:r>
               <a:rPr lang="en-US" dirty="0"/>
-              <a:t>Customer situation - 4</a:t>
+              <a:t>Customer situation - 3</a:t>
             </a:r>
           </a:p>
         </p:txBody>
       </p:sp>
+      <p:pic>
+        <p:nvPicPr>
+          <p:cNvPr id="5" name="Graphic 4" descr="City">
+            <a:extLst>
+              <a:ext uri="{FF2B5EF4-FFF2-40B4-BE49-F238E27FC236}">
+                <a16:creationId xmlns:a16="http://schemas.microsoft.com/office/drawing/2014/main" id="{DF1778BB-5152-4226-9986-A614E96A4098}"/>
+              </a:ext>
+            </a:extLst>
+          </p:cNvPr>
+          <p:cNvPicPr>
+            <a:picLocks noChangeAspect="1"/>
+          </p:cNvPicPr>
+          <p:nvPr/>
+        </p:nvPicPr>
+        <p:blipFill>
+          <a:blip r:embed="rId3">
+            <a:extLst>
+              <a:ext uri="{28A0092B-C50C-407E-A947-70E740481C1C}">
+                <a14:useLocalDpi xmlns:a14="http://schemas.microsoft.com/office/drawing/2010/main" val="0"/>
+              </a:ext>
+              <a:ext uri="{96DAC541-7B7A-43D3-8B79-37D633B846F1}">
+                <asvg:svgBlip xmlns:asvg="http://schemas.microsoft.com/office/drawing/2016/SVG/main" r:embed="rId4"/>
+              </a:ext>
+            </a:extLst>
+          </a:blip>
+          <a:stretch>
+            <a:fillRect/>
+          </a:stretch>
+        </p:blipFill>
+        <p:spPr>
+          <a:xfrm>
+            <a:off x="9105669" y="4052716"/>
+            <a:ext cx="2615184" cy="2615184"/>
+          </a:xfrm>
+          <a:prstGeom prst="rect">
+            <a:avLst/>
+          </a:prstGeom>
+        </p:spPr>
+      </p:pic>
     </p:spTree>
     <p:extLst>
       <p:ext uri="{BB962C8B-B14F-4D97-AF65-F5344CB8AC3E}">
@@ -25599,7 +25907,7 @@
         <p:spPr>
           <a:xfrm>
             <a:off x="269239" y="1004760"/>
-            <a:ext cx="10035049" cy="5735673"/>
+            <a:ext cx="10035049" cy="2597634"/>
           </a:xfrm>
         </p:spPr>
         <p:txBody>
@@ -25607,13 +25915,13 @@
           <a:lstStyle/>
           <a:p>
             <a:r>
-              <a:rPr lang="en-US" dirty="0"/>
+              <a:rPr lang="en-US" sz="2800" dirty="0"/>
               <a:t>When ingesting data and creating data transformation pipelines, WWI would like their specialists to take advantage of a graphical user interface, but still retain the ability to drop down to code should the need arise.</a:t>
             </a:r>
           </a:p>
           <a:p>
             <a:r>
-              <a:rPr lang="en-US" dirty="0"/>
+              <a:rPr lang="en-US" sz="2800" dirty="0"/>
               <a:t>They want the ability to quickly explore raw ingested data prior to any preliminary data analysis.</a:t>
             </a:r>
           </a:p>
@@ -25642,11 +25950,50 @@
           <a:p>
             <a:r>
               <a:rPr lang="en-US" dirty="0"/>
-              <a:t>Customer situation - 5</a:t>
+              <a:t>Customer situation - 4</a:t>
             </a:r>
           </a:p>
         </p:txBody>
       </p:sp>
+      <p:pic>
+        <p:nvPicPr>
+          <p:cNvPr id="5" name="Graphic 4" descr="Browser window">
+            <a:extLst>
+              <a:ext uri="{FF2B5EF4-FFF2-40B4-BE49-F238E27FC236}">
+                <a16:creationId xmlns:a16="http://schemas.microsoft.com/office/drawing/2014/main" id="{8BF88304-B585-40B0-B9A9-749AAFC083A9}"/>
+              </a:ext>
+            </a:extLst>
+          </p:cNvPr>
+          <p:cNvPicPr>
+            <a:picLocks noChangeAspect="1"/>
+          </p:cNvPicPr>
+          <p:nvPr/>
+        </p:nvPicPr>
+        <p:blipFill>
+          <a:blip r:embed="rId3">
+            <a:extLst>
+              <a:ext uri="{28A0092B-C50C-407E-A947-70E740481C1C}">
+                <a14:useLocalDpi xmlns:a14="http://schemas.microsoft.com/office/drawing/2010/main" val="0"/>
+              </a:ext>
+              <a:ext uri="{96DAC541-7B7A-43D3-8B79-37D633B846F1}">
+                <asvg:svgBlip xmlns:asvg="http://schemas.microsoft.com/office/drawing/2016/SVG/main" r:embed="rId4"/>
+              </a:ext>
+            </a:extLst>
+          </a:blip>
+          <a:stretch>
+            <a:fillRect/>
+          </a:stretch>
+        </p:blipFill>
+        <p:spPr>
+          <a:xfrm>
+            <a:off x="9370856" y="4168980"/>
+            <a:ext cx="2554224" cy="2554224"/>
+          </a:xfrm>
+          <a:prstGeom prst="rect">
+            <a:avLst/>
+          </a:prstGeom>
+        </p:spPr>
+      </p:pic>
     </p:spTree>
     <p:extLst>
       <p:ext uri="{BB962C8B-B14F-4D97-AF65-F5344CB8AC3E}">
@@ -25703,7 +26050,7 @@
           <a:p>
             <a:r>
               <a:rPr lang="en-US" dirty="0"/>
-              <a:t>Customer Situation - 6</a:t>
+              <a:t>Customer Situation - 5</a:t>
             </a:r>
           </a:p>
         </p:txBody>
@@ -25727,7 +26074,7 @@
         <p:spPr>
           <a:xfrm>
             <a:off x="269240" y="1189177"/>
-            <a:ext cx="8605820" cy="5192640"/>
+            <a:ext cx="10398760" cy="2985433"/>
           </a:xfrm>
         </p:spPr>
         <p:txBody>
@@ -25735,13 +26082,13 @@
           <a:lstStyle/>
           <a:p>
             <a:r>
-              <a:rPr lang="en-US" dirty="0"/>
+              <a:rPr lang="en-US" sz="2800" dirty="0"/>
               <a:t>To bring their entire operation into perspective, WWI would like to create a dashboard where they can see their KPIs derived from historical data, and near real-time data streams. </a:t>
             </a:r>
           </a:p>
           <a:p>
             <a:r>
-              <a:rPr lang="en-US" dirty="0"/>
+              <a:rPr lang="en-US" sz="2800" dirty="0"/>
               <a:t>They want to make up to the minute key product recommendations generated with the help of machine learning models.</a:t>
             </a:r>
           </a:p>
@@ -25749,10 +26096,10 @@
       </p:sp>
       <p:pic>
         <p:nvPicPr>
-          <p:cNvPr id="4" name="Picture 3" descr="An icon of a dashboard chart.">
+          <p:cNvPr id="7" name="Graphic 6" descr="Statistics">
             <a:extLst>
               <a:ext uri="{FF2B5EF4-FFF2-40B4-BE49-F238E27FC236}">
-                <a16:creationId xmlns:a16="http://schemas.microsoft.com/office/drawing/2014/main" id="{8C83E07E-E058-44AF-A16A-1E2ACCA90DBA}"/>
+                <a16:creationId xmlns:a16="http://schemas.microsoft.com/office/drawing/2014/main" id="{5340270E-0CC4-4292-AE42-BD0C77209714}"/>
               </a:ext>
             </a:extLst>
           </p:cNvPr>
@@ -25762,45 +26109,24 @@
           <p:nvPr/>
         </p:nvPicPr>
         <p:blipFill>
-          <a:blip r:embed="rId3"/>
+          <a:blip r:embed="rId3">
+            <a:extLst>
+              <a:ext uri="{28A0092B-C50C-407E-A947-70E740481C1C}">
+                <a14:useLocalDpi xmlns:a14="http://schemas.microsoft.com/office/drawing/2010/main" val="0"/>
+              </a:ext>
+              <a:ext uri="{96DAC541-7B7A-43D3-8B79-37D633B846F1}">
+                <asvg:svgBlip xmlns:asvg="http://schemas.microsoft.com/office/drawing/2016/SVG/main" r:embed="rId4"/>
+              </a:ext>
+            </a:extLst>
+          </a:blip>
           <a:stretch>
             <a:fillRect/>
           </a:stretch>
         </p:blipFill>
         <p:spPr>
           <a:xfrm>
-            <a:off x="9515652" y="1619938"/>
-            <a:ext cx="1420491" cy="1420491"/>
-          </a:xfrm>
-          <a:prstGeom prst="rect">
-            <a:avLst/>
-          </a:prstGeom>
-        </p:spPr>
-      </p:pic>
-      <p:pic>
-        <p:nvPicPr>
-          <p:cNvPr id="5" name="Picture 4" descr="An icon with a silhouette of a human head with gears in it.">
-            <a:extLst>
-              <a:ext uri="{FF2B5EF4-FFF2-40B4-BE49-F238E27FC236}">
-                <a16:creationId xmlns:a16="http://schemas.microsoft.com/office/drawing/2014/main" id="{183CBCFD-E9EF-442C-8178-20EB1B5C77F7}"/>
-              </a:ext>
-            </a:extLst>
-          </p:cNvPr>
-          <p:cNvPicPr>
-            <a:picLocks noChangeAspect="1"/>
-          </p:cNvPicPr>
-          <p:nvPr/>
-        </p:nvPicPr>
-        <p:blipFill>
-          <a:blip r:embed="rId4"/>
-          <a:stretch>
-            <a:fillRect/>
-          </a:stretch>
-        </p:blipFill>
-        <p:spPr>
-          <a:xfrm>
-            <a:off x="9427555" y="4055776"/>
-            <a:ext cx="1420491" cy="1420491"/>
+            <a:off x="9582912" y="4336000"/>
+            <a:ext cx="2342168" cy="2342168"/>
           </a:xfrm>
           <a:prstGeom prst="rect">
             <a:avLst/>
@@ -25906,7 +26232,7 @@
           <a:lstStyle/>
           <a:p>
             <a:r>
-              <a:rPr lang="en-US" sz="3600" dirty="0">
+              <a:rPr lang="en-US" sz="2800" dirty="0">
                 <a:solidFill>
                   <a:schemeClr val="tx1"/>
                 </a:solidFill>
@@ -25914,7 +26240,7 @@
               <a:t>G</a:t>
             </a:r>
             <a:r>
-              <a:rPr lang="en-US" sz="3600" dirty="0">
+              <a:rPr lang="en-US" sz="2800" dirty="0">
                 <a:solidFill>
                   <a:schemeClr val="tx1"/>
                 </a:solidFill>
@@ -25925,7 +26251,7 @@
           </a:p>
           <a:p>
             <a:r>
-              <a:rPr lang="en-US" sz="3600" dirty="0">
+              <a:rPr lang="en-US" sz="2800" dirty="0">
                 <a:solidFill>
                   <a:schemeClr val="tx1"/>
                 </a:solidFill>
@@ -25936,7 +26262,7 @@
           </a:p>
           <a:p>
             <a:r>
-              <a:rPr lang="en-US" sz="3600" dirty="0">
+              <a:rPr lang="en-US" sz="2800" dirty="0">
                 <a:solidFill>
                   <a:schemeClr val="tx1"/>
                 </a:solidFill>
@@ -25947,7 +26273,7 @@
           </a:p>
           <a:p>
             <a:r>
-              <a:rPr lang="en-US" sz="3600" dirty="0">
+              <a:rPr lang="en-US" sz="2800" dirty="0">
                 <a:solidFill>
                   <a:schemeClr val="tx1"/>
                 </a:solidFill>
@@ -25955,7 +26281,7 @@
               </a:rPr>
               <a:t>Enable business analysts and data science/data engineering teams to share a single source of truth.</a:t>
             </a:r>
-            <a:endParaRPr lang="en-US" sz="1800" dirty="0">
+            <a:endParaRPr lang="en-US" sz="2800" dirty="0">
               <a:solidFill>
                 <a:schemeClr val="tx1"/>
               </a:solidFill>
@@ -26850,6 +27176,15 @@
 </file>
 
 <file path=customXml/item1.xml><?xml version="1.0" encoding="utf-8"?>
+<p:properties xmlns:p="http://schemas.microsoft.com/office/2006/metadata/properties" xmlns:xsi="http://www.w3.org/2001/XMLSchema-instance" xmlns:pc="http://schemas.microsoft.com/office/infopath/2007/PartnerControls">
+  <documentManagement>
+    <_ip_UnifiedCompliancePolicyUIAction xmlns="http://schemas.microsoft.com/sharepoint/v3" xsi:nil="true"/>
+    <_ip_UnifiedCompliancePolicyProperties xmlns="http://schemas.microsoft.com/sharepoint/v3" xsi:nil="true"/>
+  </documentManagement>
+</p:properties>
+</file>
+
+<file path=customXml/item2.xml><?xml version="1.0" encoding="utf-8"?>
 <ct:contentTypeSchema xmlns:ct="http://schemas.microsoft.com/office/2006/metadata/contentType" xmlns:ma="http://schemas.microsoft.com/office/2006/metadata/properties/metaAttributes" ct:_="" ma:_="" ma:contentTypeName="Document" ma:contentTypeID="0x010100D15DFA3690A15B4081582BBCC6BEAC3E" ma:contentTypeVersion="9" ma:contentTypeDescription="Create a new document." ma:contentTypeScope="" ma:versionID="642da1784587cbe85a7fdbbe4dc36103">
   <xsd:schema xmlns:xsd="http://www.w3.org/2001/XMLSchema" xmlns:xs="http://www.w3.org/2001/XMLSchema" xmlns:p="http://schemas.microsoft.com/office/2006/metadata/properties" xmlns:ns1="http://schemas.microsoft.com/sharepoint/v3" xmlns:ns2="2023ac63-7b75-4916-a9ee-591457758eee" xmlns:ns3="d9c797ad-d7c3-4982-82b7-81352a75e4a5" targetNamespace="http://schemas.microsoft.com/office/2006/metadata/properties" ma:root="true" ma:fieldsID="91198b0246576053cc55dd2c67035a89" ns1:_="" ns2:_="" ns3:_="">
     <xsd:import namespace="http://schemas.microsoft.com/sharepoint/v3"/>
@@ -27051,15 +27386,6 @@
 </ct:contentTypeSchema>
 </file>
 
-<file path=customXml/item2.xml><?xml version="1.0" encoding="utf-8"?>
-<p:properties xmlns:p="http://schemas.microsoft.com/office/2006/metadata/properties" xmlns:xsi="http://www.w3.org/2001/XMLSchema-instance" xmlns:pc="http://schemas.microsoft.com/office/infopath/2007/PartnerControls">
-  <documentManagement>
-    <_ip_UnifiedCompliancePolicyUIAction xmlns="http://schemas.microsoft.com/sharepoint/v3" xsi:nil="true"/>
-    <_ip_UnifiedCompliancePolicyProperties xmlns="http://schemas.microsoft.com/sharepoint/v3" xsi:nil="true"/>
-  </documentManagement>
-</p:properties>
-</file>
-
 <file path=customXml/item3.xml><?xml version="1.0" encoding="utf-8"?>
 <?mso-contentType ?>
 <FormTemplates xmlns="http://schemas.microsoft.com/sharepoint/v3/contenttype/forms">
@@ -27070,6 +27396,24 @@
 </file>
 
 <file path=customXml/itemProps1.xml><?xml version="1.0" encoding="utf-8"?>
+<ds:datastoreItem xmlns:ds="http://schemas.openxmlformats.org/officeDocument/2006/customXml" ds:itemID="{BAF7D529-36AB-45DA-B239-2F912F2D1610}">
+  <ds:schemaRefs>
+    <ds:schemaRef ds:uri="http://purl.org/dc/elements/1.1/"/>
+    <ds:schemaRef ds:uri="http://schemas.microsoft.com/office/2006/metadata/properties"/>
+    <ds:schemaRef ds:uri="http://purl.org/dc/terms/"/>
+    <ds:schemaRef ds:uri="http://schemas.microsoft.com/office/infopath/2007/PartnerControls"/>
+    <ds:schemaRef ds:uri="http://purl.org/dc/dcmitype/"/>
+    <ds:schemaRef ds:uri="http://schemas.openxmlformats.org/package/2006/metadata/core-properties"/>
+    <ds:schemaRef ds:uri="http://schemas.microsoft.com/office/2006/documentManagement/types"/>
+    <ds:schemaRef ds:uri="d9c797ad-d7c3-4982-82b7-81352a75e4a5"/>
+    <ds:schemaRef ds:uri="2023ac63-7b75-4916-a9ee-591457758eee"/>
+    <ds:schemaRef ds:uri="http://schemas.microsoft.com/sharepoint/v3"/>
+    <ds:schemaRef ds:uri="http://www.w3.org/XML/1998/namespace"/>
+  </ds:schemaRefs>
+</ds:datastoreItem>
+</file>
+
+<file path=customXml/itemProps2.xml><?xml version="1.0" encoding="utf-8"?>
 <ds:datastoreItem xmlns:ds="http://schemas.openxmlformats.org/officeDocument/2006/customXml" ds:itemID="{255F5BEB-6AD6-480A-8556-C80C5EBC10F2}">
   <ds:schemaRefs>
     <ds:schemaRef ds:uri="http://schemas.microsoft.com/office/2006/metadata/contentType"/>
@@ -27089,24 +27433,6 @@
 </ds:datastoreItem>
 </file>
 
-<file path=customXml/itemProps2.xml><?xml version="1.0" encoding="utf-8"?>
-<ds:datastoreItem xmlns:ds="http://schemas.openxmlformats.org/officeDocument/2006/customXml" ds:itemID="{BAF7D529-36AB-45DA-B239-2F912F2D1610}">
-  <ds:schemaRefs>
-    <ds:schemaRef ds:uri="http://purl.org/dc/elements/1.1/"/>
-    <ds:schemaRef ds:uri="http://schemas.microsoft.com/office/2006/metadata/properties"/>
-    <ds:schemaRef ds:uri="http://purl.org/dc/terms/"/>
-    <ds:schemaRef ds:uri="http://schemas.microsoft.com/office/infopath/2007/PartnerControls"/>
-    <ds:schemaRef ds:uri="http://purl.org/dc/dcmitype/"/>
-    <ds:schemaRef ds:uri="http://schemas.openxmlformats.org/package/2006/metadata/core-properties"/>
-    <ds:schemaRef ds:uri="http://schemas.microsoft.com/office/2006/documentManagement/types"/>
-    <ds:schemaRef ds:uri="d9c797ad-d7c3-4982-82b7-81352a75e4a5"/>
-    <ds:schemaRef ds:uri="2023ac63-7b75-4916-a9ee-591457758eee"/>
-    <ds:schemaRef ds:uri="http://schemas.microsoft.com/sharepoint/v3"/>
-    <ds:schemaRef ds:uri="http://www.w3.org/XML/1998/namespace"/>
-  </ds:schemaRefs>
-</ds:datastoreItem>
-</file>
-
 <file path=customXml/itemProps3.xml><?xml version="1.0" encoding="utf-8"?>
 <ds:datastoreItem xmlns:ds="http://schemas.openxmlformats.org/officeDocument/2006/customXml" ds:itemID="{F18501AF-04CF-4482-BAE1-607B49DDC378}">
   <ds:schemaRefs>

--- a/Whiteboard design session/WDS trainer presentation - Azure Synapse Analytics.pptx
+++ b/Whiteboard design session/WDS trainer presentation - Azure Synapse Analytics.pptx
@@ -241,7 +241,7 @@
           <a:p>
             <a:fld id="{52A13B17-C506-4D51-BB37-16B365906619}" type="datetimeFigureOut">
               <a:rPr lang="en-US" smtClean="0"/>
-              <a:t>4/12/2020</a:t>
+              <a:t>4/15/2020</a:t>
             </a:fld>
             <a:endParaRPr lang="en-US"/>
           </a:p>
@@ -1489,7 +1489,31 @@
                 <a:ea typeface="+mn-ea"/>
                 <a:cs typeface="+mn-cs"/>
               </a:rPr>
-              <a:t>At this stage Data Flows, which are Pipeline activities just like the Copy Data activity, can be created using the graphical designer to perform some data preparation tasks. </a:t>
+              <a:t>At this stage</a:t>
+            </a:r>
+            <a:r>
+              <a:rPr lang="en-US" sz="1200" b="0" kern="1200">
+                <a:solidFill>
+                  <a:schemeClr val="tx1"/>
+                </a:solidFill>
+                <a:effectLst/>
+                <a:latin typeface="+mn-lt"/>
+                <a:ea typeface="+mn-ea"/>
+                <a:cs typeface="+mn-cs"/>
+              </a:rPr>
+              <a:t> Mapping Data</a:t>
+            </a:r>
+            <a:r>
+              <a:rPr lang="en-US" sz="1200" b="0" kern="1200" dirty="0">
+                <a:solidFill>
+                  <a:schemeClr val="tx1"/>
+                </a:solidFill>
+                <a:effectLst/>
+                <a:latin typeface="+mn-lt"/>
+                <a:ea typeface="+mn-ea"/>
+                <a:cs typeface="+mn-cs"/>
+              </a:rPr>
+              <a:t> Flows, which are Pipeline activities just like the Copy Data activity, can be created using the graphical designer to perform some data preparation tasks. </a:t>
             </a:r>
           </a:p>
           <a:p>
@@ -1567,7 +1591,7 @@
                 <a:ea typeface="+mn-ea"/>
                 <a:cs typeface="+mn-cs"/>
               </a:rPr>
-              <a:t>Azure Synapse SQL provisioned pools and the Azure Synapse SQL serverless endpoint can be used to apply transformations using T-SQL, as can notebooks running in Azure Synapse Spark. A Pipeline is also commonly used at this stage to define a repeatable process for cleaning, joining, enriching and ultimately loading the data into the Azure Synapse SQL that functions as the serving database. </a:t>
+              <a:t>Azure Synapse SQL Pools and the Azure Synapse SQL serverless endpoint can be used to apply transformations using T-SQL, as can notebooks running in Azure Synapse Spark. A Pipeline is also commonly used at this stage to define a repeatable process for cleaning, joining, enriching and ultimately loading the data into the Azure Synapse SQL that functions as the serving database. </a:t>
             </a:r>
           </a:p>
           <a:p>
@@ -1585,7 +1609,7 @@
                 <a:ea typeface="+mn-ea"/>
                 <a:cs typeface="+mn-cs"/>
               </a:rPr>
-              <a:t>The serving layer can consist of dedicated Azure Synapse SQL provisioned instances to provide pre-provisioned compute capacity to serve both data from the relational data warehouse or data sourced from the data lake. Additionally, the serving layer can use Azure Synapse SQL serverless to provide ad-hoc compute capacity for querying data stored in the data lake. Either of these serving options can be used by Power BI reports created within Azure Synapse Analytics, or by external applications. The important take away from this architecture is that all of the components shown are completely managed within Azure Synapse Analytics.</a:t>
+              <a:t>The serving layer can consist of dedicated Azure Synapse SQL Pools to provide pre-provisioned compute capacity to serve both data from the relational data warehouse or data sourced from the data lake. Additionally, the serving layer can use Azure Synapse SQL serverless to provide ad-hoc compute capacity for querying data stored in the data lake. Either of these serving options can be used by Power BI reports created within Azure Synapse Analytics, or by external applications. The important take away from this architecture is that all of the components shown are completely managed within Azure Synapse Analytics.</a:t>
             </a:r>
           </a:p>
         </p:txBody>
@@ -1728,7 +1752,7 @@
                 <a:ea typeface="+mn-ea"/>
                 <a:cs typeface="+mn-cs"/>
               </a:rPr>
-              <a:t> would load the tweets into Event Hubs so that they could be processed reliably using Stream Analytics. Stream Analytics can be used both to archive all tweets to the data lake for offline or batch analysis using Azure Synapse SQL provisioned within Azure Synapse Analytics, as well as to send live data to Power BI reports for real-time dashboards and reports. The in-store IoT sensors could ingest their data into IoT Hub directly, and by integrating with IoT Hub also benefit from the device management capabilities that IoT Hub enables. Ultimately this data would also be processed by another Stream Analytics job and served in the same was as the tweets.</a:t>
+              <a:t> would load the tweets into Event Hubs so that they could be processed reliably using Stream Analytics. Stream Analytics can be used both to archive all tweets to the data lake for offline or batch analysis using Azure Synapse SQL Pools within Azure Synapse Analytics, as well as to send live data to Power BI reports for real-time dashboards and reports. The in-store IoT sensors could ingest their data into IoT Hub directly, and by integrating with IoT Hub also benefit from the device management capabilities that IoT Hub enables. Ultimately this data would also be processed by another Stream Analytics job and served in the same was as the tweets.</a:t>
             </a:r>
           </a:p>
         </p:txBody>
@@ -4247,7 +4271,7 @@
                 <a:ea typeface="+mn-ea"/>
                 <a:cs typeface="+mn-cs"/>
               </a:rPr>
-              <a:t>Cache the results of a query in provisioned Azure Synapse SQL pool storage. This enables interactive response times for repetitive queries against tables with infrequent data changes.</a:t>
+              <a:t>Cache the results of a query in provisioned Azure Synapse SQL Pool storage. This enables interactive response times for repetitive queries against tables with infrequent data changes.</a:t>
             </a:r>
           </a:p>
           <a:p>
@@ -7111,7 +7135,7 @@
                 <a:ea typeface="+mn-ea"/>
                 <a:cs typeface="+mn-cs"/>
               </a:rPr>
-              <a:t>No. This is a unique differentiator of Azure Synapse Analytics. Within one Azure Synapse Analytics workspace, they can have pre-provisioned Azure Synapse SQL pools, and also have serverless querying using the Azure Synapse SQL serverless endpoint.</a:t>
+              <a:t>No. This is a unique differentiator of Azure Synapse Analytics. Within one Azure Synapse Analytics workspace, they can have pre-provisioned Azure Synapse SQL Pools, and also have serverless querying using the Azure Synapse SQL serverless endpoint.</a:t>
             </a:r>
           </a:p>
           <a:p>
@@ -7404,7 +7428,7 @@
                   <a:prstClr val="black"/>
                 </a:solidFill>
               </a:rPr>
-              <a:t>4/12/2020 10:56 AM</a:t>
+              <a:t>4/15/2020 6:41 AM</a:t>
             </a:fld>
             <a:endParaRPr lang="en-US" dirty="0">
               <a:solidFill>
@@ -22392,8 +22416,8 @@
         </p:blipFill>
         <p:spPr>
           <a:xfrm>
-            <a:off x="1192188" y="1195242"/>
-            <a:ext cx="9926608" cy="5295845"/>
+            <a:off x="1192188" y="1205168"/>
+            <a:ext cx="9926608" cy="5275992"/>
           </a:xfrm>
           <a:prstGeom prst="rect">
             <a:avLst/>
@@ -25025,7 +25049,7 @@
                 </a:solidFill>
                 <a:latin typeface="+mj-lt"/>
               </a:rPr>
-              <a:t>No. This is a unique differentiator of Azure Synapse Analytics. Within one Azure Synapse Analytics workspace, they can have pre-provisioned Azure Synapse SQL pools, and also have serverless querying using the Azure Synapse SQL serverless endpoint.</a:t>
+              <a:t>No. This is a unique differentiator of Azure Synapse Analytics. Within one Azure Synapse Analytics workspace, they can have pre-provisioned Azure Synapse SQL Pools, and also have serverless querying using the Azure Synapse SQL serverless endpoint.</a:t>
             </a:r>
           </a:p>
           <a:p>
@@ -27176,12 +27200,12 @@
 </file>
 
 <file path=customXml/item1.xml><?xml version="1.0" encoding="utf-8"?>
-<p:properties xmlns:p="http://schemas.microsoft.com/office/2006/metadata/properties" xmlns:xsi="http://www.w3.org/2001/XMLSchema-instance" xmlns:pc="http://schemas.microsoft.com/office/infopath/2007/PartnerControls">
-  <documentManagement>
-    <_ip_UnifiedCompliancePolicyUIAction xmlns="http://schemas.microsoft.com/sharepoint/v3" xsi:nil="true"/>
-    <_ip_UnifiedCompliancePolicyProperties xmlns="http://schemas.microsoft.com/sharepoint/v3" xsi:nil="true"/>
-  </documentManagement>
-</p:properties>
+<?mso-contentType ?>
+<FormTemplates xmlns="http://schemas.microsoft.com/sharepoint/v3/contenttype/forms">
+  <Display>DocumentLibraryForm</Display>
+  <Edit>DocumentLibraryForm</Edit>
+  <New>DocumentLibraryForm</New>
+</FormTemplates>
 </file>
 
 <file path=customXml/item2.xml><?xml version="1.0" encoding="utf-8"?>
@@ -27387,28 +27411,18 @@
 </file>
 
 <file path=customXml/item3.xml><?xml version="1.0" encoding="utf-8"?>
-<?mso-contentType ?>
-<FormTemplates xmlns="http://schemas.microsoft.com/sharepoint/v3/contenttype/forms">
-  <Display>DocumentLibraryForm</Display>
-  <Edit>DocumentLibraryForm</Edit>
-  <New>DocumentLibraryForm</New>
-</FormTemplates>
+<p:properties xmlns:p="http://schemas.microsoft.com/office/2006/metadata/properties" xmlns:xsi="http://www.w3.org/2001/XMLSchema-instance" xmlns:pc="http://schemas.microsoft.com/office/infopath/2007/PartnerControls">
+  <documentManagement>
+    <_ip_UnifiedCompliancePolicyUIAction xmlns="http://schemas.microsoft.com/sharepoint/v3" xsi:nil="true"/>
+    <_ip_UnifiedCompliancePolicyProperties xmlns="http://schemas.microsoft.com/sharepoint/v3" xsi:nil="true"/>
+  </documentManagement>
+</p:properties>
 </file>
 
 <file path=customXml/itemProps1.xml><?xml version="1.0" encoding="utf-8"?>
-<ds:datastoreItem xmlns:ds="http://schemas.openxmlformats.org/officeDocument/2006/customXml" ds:itemID="{BAF7D529-36AB-45DA-B239-2F912F2D1610}">
+<ds:datastoreItem xmlns:ds="http://schemas.openxmlformats.org/officeDocument/2006/customXml" ds:itemID="{F18501AF-04CF-4482-BAE1-607B49DDC378}">
   <ds:schemaRefs>
-    <ds:schemaRef ds:uri="http://purl.org/dc/elements/1.1/"/>
-    <ds:schemaRef ds:uri="http://schemas.microsoft.com/office/2006/metadata/properties"/>
-    <ds:schemaRef ds:uri="http://purl.org/dc/terms/"/>
-    <ds:schemaRef ds:uri="http://schemas.microsoft.com/office/infopath/2007/PartnerControls"/>
-    <ds:schemaRef ds:uri="http://purl.org/dc/dcmitype/"/>
-    <ds:schemaRef ds:uri="http://schemas.openxmlformats.org/package/2006/metadata/core-properties"/>
-    <ds:schemaRef ds:uri="http://schemas.microsoft.com/office/2006/documentManagement/types"/>
-    <ds:schemaRef ds:uri="d9c797ad-d7c3-4982-82b7-81352a75e4a5"/>
-    <ds:schemaRef ds:uri="2023ac63-7b75-4916-a9ee-591457758eee"/>
-    <ds:schemaRef ds:uri="http://schemas.microsoft.com/sharepoint/v3"/>
-    <ds:schemaRef ds:uri="http://www.w3.org/XML/1998/namespace"/>
+    <ds:schemaRef ds:uri="http://schemas.microsoft.com/sharepoint/v3/contenttype/forms"/>
   </ds:schemaRefs>
 </ds:datastoreItem>
 </file>
@@ -27434,9 +27448,19 @@
 </file>
 
 <file path=customXml/itemProps3.xml><?xml version="1.0" encoding="utf-8"?>
-<ds:datastoreItem xmlns:ds="http://schemas.openxmlformats.org/officeDocument/2006/customXml" ds:itemID="{F18501AF-04CF-4482-BAE1-607B49DDC378}">
+<ds:datastoreItem xmlns:ds="http://schemas.openxmlformats.org/officeDocument/2006/customXml" ds:itemID="{BAF7D529-36AB-45DA-B239-2F912F2D1610}">
   <ds:schemaRefs>
-    <ds:schemaRef ds:uri="http://schemas.microsoft.com/sharepoint/v3/contenttype/forms"/>
+    <ds:schemaRef ds:uri="http://purl.org/dc/elements/1.1/"/>
+    <ds:schemaRef ds:uri="http://schemas.microsoft.com/office/2006/metadata/properties"/>
+    <ds:schemaRef ds:uri="http://purl.org/dc/terms/"/>
+    <ds:schemaRef ds:uri="http://schemas.microsoft.com/office/infopath/2007/PartnerControls"/>
+    <ds:schemaRef ds:uri="http://purl.org/dc/dcmitype/"/>
+    <ds:schemaRef ds:uri="http://schemas.openxmlformats.org/package/2006/metadata/core-properties"/>
+    <ds:schemaRef ds:uri="http://schemas.microsoft.com/office/2006/documentManagement/types"/>
+    <ds:schemaRef ds:uri="d9c797ad-d7c3-4982-82b7-81352a75e4a5"/>
+    <ds:schemaRef ds:uri="2023ac63-7b75-4916-a9ee-591457758eee"/>
+    <ds:schemaRef ds:uri="http://schemas.microsoft.com/sharepoint/v3"/>
+    <ds:schemaRef ds:uri="http://www.w3.org/XML/1998/namespace"/>
   </ds:schemaRefs>
 </ds:datastoreItem>
 </file>